--- a/doc/PerformanceAnalyticsAPI.pptx
+++ b/doc/PerformanceAnalyticsAPI.pptx
@@ -5,10 +5,10 @@
     <p:sldMasterId id="2147483662" r:id="rId4"/>
   </p:sldMasterIdLst>
   <p:notesMasterIdLst>
-    <p:notesMasterId r:id="rId15"/>
+    <p:notesMasterId r:id="rId16"/>
   </p:notesMasterIdLst>
   <p:handoutMasterIdLst>
-    <p:handoutMasterId r:id="rId16"/>
+    <p:handoutMasterId r:id="rId17"/>
   </p:handoutMasterIdLst>
   <p:sldIdLst>
     <p:sldId id="332" r:id="rId5"/>
@@ -19,22 +19,23 @@
     <p:sldId id="341" r:id="rId10"/>
     <p:sldId id="339" r:id="rId11"/>
     <p:sldId id="340" r:id="rId12"/>
-    <p:sldId id="342" r:id="rId13"/>
-    <p:sldId id="343" r:id="rId14"/>
+    <p:sldId id="344" r:id="rId13"/>
+    <p:sldId id="342" r:id="rId14"/>
+    <p:sldId id="343" r:id="rId15"/>
   </p:sldIdLst>
   <p:sldSz cx="12192000" cy="6858000"/>
   <p:notesSz cx="6858000" cy="9144000"/>
   <p:embeddedFontLst>
     <p:embeddedFont>
       <p:font typeface="ING Me" panose="02000506040000020004" pitchFamily="2" charset="0"/>
-      <p:regular r:id="rId17"/>
-      <p:bold r:id="rId18"/>
-      <p:italic r:id="rId19"/>
-      <p:boldItalic r:id="rId20"/>
+      <p:regular r:id="rId18"/>
+      <p:bold r:id="rId19"/>
+      <p:italic r:id="rId20"/>
+      <p:boldItalic r:id="rId21"/>
     </p:embeddedFont>
   </p:embeddedFontLst>
   <p:custDataLst>
-    <p:tags r:id="rId21"/>
+    <p:tags r:id="rId22"/>
   </p:custDataLst>
   <p:defaultTextStyle>
     <a:defPPr>
@@ -133,7 +134,7 @@
   </p:defaultTextStyle>
   <p:extLst>
     <p:ext uri="{EFAFB233-063F-42B5-8137-9DF3F51BA10A}">
-      <p15:sldGuideLst xmlns="" xmlns:p15="http://schemas.microsoft.com/office/powerpoint/2012/main">
+      <p15:sldGuideLst xmlns:p15="http://schemas.microsoft.com/office/powerpoint/2012/main" xmlns="">
         <p15:guide id="1" orient="horz" pos="2341" userDrawn="1">
           <p15:clr>
             <a:srgbClr val="A4A3A4"/>
@@ -197,7 +198,7 @@
       </p15:sldGuideLst>
     </p:ext>
     <p:ext uri="{2D200454-40CA-4A62-9FC3-DE9A4176ACB9}">
-      <p15:notesGuideLst xmlns="" xmlns:p15="http://schemas.microsoft.com/office/powerpoint/2012/main">
+      <p15:notesGuideLst xmlns:p15="http://schemas.microsoft.com/office/powerpoint/2012/main" xmlns="">
         <p15:guide id="1" orient="horz" pos="2880">
           <p15:clr>
             <a:srgbClr val="A4A3A4"/>
@@ -300,7 +301,7 @@
               <a:rPr lang="en-GB" smtClean="0">
                 <a:latin typeface="ING Me" pitchFamily="2" charset="0"/>
               </a:rPr>
-              <a:t>12/04/2016</a:t>
+              <a:t>11/05/2016</a:t>
             </a:fld>
             <a:endParaRPr lang="en-GB">
               <a:latin typeface="ING Me" pitchFamily="2" charset="0"/>
@@ -439,7 +440,7 @@
             <a:fld id="{B6962210-35F6-42EB-A3B8-FCE6E13B30BA}" type="datetimeFigureOut">
               <a:rPr lang="en-GB" smtClean="0"/>
               <a:pPr/>
-              <a:t>12/04/2016</a:t>
+              <a:t>11/05/2016</a:t>
             </a:fld>
             <a:endParaRPr lang="en-GB"/>
           </a:p>
@@ -3328,7 +3329,7 @@
   </p:timing>
   <p:extLst mod="1">
     <p:ext uri="{DCECCB84-F9BA-43D5-87BE-67443E8EF086}">
-      <p15:sldGuideLst xmlns="" xmlns:p15="http://schemas.microsoft.com/office/powerpoint/2012/main">
+      <p15:sldGuideLst xmlns:p15="http://schemas.microsoft.com/office/powerpoint/2012/main" xmlns="">
         <p15:guide id="1" orient="horz" pos="4135" userDrawn="1">
           <p15:clr>
             <a:srgbClr val="FBAE40"/>
@@ -5665,7 +5666,7 @@
   </p:timing>
   <p:extLst mod="1">
     <p:ext uri="{DCECCB84-F9BA-43D5-87BE-67443E8EF086}">
-      <p15:sldGuideLst xmlns="" xmlns:p15="http://schemas.microsoft.com/office/powerpoint/2012/main">
+      <p15:sldGuideLst xmlns:p15="http://schemas.microsoft.com/office/powerpoint/2012/main" xmlns="">
         <p15:guide id="1" orient="horz" pos="4135">
           <p15:clr>
             <a:srgbClr val="FBAE40"/>
@@ -7984,7 +7985,7 @@
   </p:timing>
   <p:extLst mod="1">
     <p:ext uri="{DCECCB84-F9BA-43D5-87BE-67443E8EF086}">
-      <p15:sldGuideLst xmlns="" xmlns:p15="http://schemas.microsoft.com/office/powerpoint/2012/main">
+      <p15:sldGuideLst xmlns:p15="http://schemas.microsoft.com/office/powerpoint/2012/main" xmlns="">
         <p15:guide id="1" orient="horz" pos="4135">
           <p15:clr>
             <a:srgbClr val="FBAE40"/>
@@ -10510,7 +10511,7 @@
   </p:timing>
   <p:extLst mod="1">
     <p:ext uri="{DCECCB84-F9BA-43D5-87BE-67443E8EF086}">
-      <p15:sldGuideLst xmlns="" xmlns:p15="http://schemas.microsoft.com/office/powerpoint/2012/main">
+      <p15:sldGuideLst xmlns:p15="http://schemas.microsoft.com/office/powerpoint/2012/main" xmlns="">
         <p15:guide id="1" orient="horz" pos="4135">
           <p15:clr>
             <a:srgbClr val="FBAE40"/>
@@ -11599,7 +11600,7 @@
   </p:timing>
   <p:extLst mod="1">
     <p:ext uri="{DCECCB84-F9BA-43D5-87BE-67443E8EF086}">
-      <p15:sldGuideLst xmlns="" xmlns:p15="http://schemas.microsoft.com/office/powerpoint/2012/main"/>
+      <p15:sldGuideLst xmlns:p15="http://schemas.microsoft.com/office/powerpoint/2012/main" xmlns=""/>
     </p:ext>
   </p:extLst>
 </p:sldLayout>
@@ -13192,7 +13193,7 @@
   </p:timing>
   <p:extLst mod="1">
     <p:ext uri="{DCECCB84-F9BA-43D5-87BE-67443E8EF086}">
-      <p15:sldGuideLst xmlns="" xmlns:p15="http://schemas.microsoft.com/office/powerpoint/2012/main">
+      <p15:sldGuideLst xmlns:p15="http://schemas.microsoft.com/office/powerpoint/2012/main" xmlns="">
         <p15:guide id="1" pos="4308" userDrawn="1">
           <p15:clr>
             <a:srgbClr val="FBAE40"/>
@@ -17627,7 +17628,7 @@
   </p:timing>
   <p:extLst mod="1">
     <p:ext uri="{DCECCB84-F9BA-43D5-87BE-67443E8EF086}">
-      <p15:sldGuideLst xmlns="" xmlns:p15="http://schemas.microsoft.com/office/powerpoint/2012/main">
+      <p15:sldGuideLst xmlns:p15="http://schemas.microsoft.com/office/powerpoint/2012/main" xmlns="">
         <p15:guide id="1" pos="302" userDrawn="1">
           <p15:clr>
             <a:srgbClr val="FBAE40"/>
@@ -17848,7 +17849,7 @@
   </p:timing>
   <p:extLst mod="1">
     <p:ext uri="{DCECCB84-F9BA-43D5-87BE-67443E8EF086}">
-      <p15:sldGuideLst xmlns="" xmlns:p15="http://schemas.microsoft.com/office/powerpoint/2012/main">
+      <p15:sldGuideLst xmlns:p15="http://schemas.microsoft.com/office/powerpoint/2012/main" xmlns="">
         <p15:guide id="1" pos="3720" userDrawn="1">
           <p15:clr>
             <a:srgbClr val="FBAE40"/>
@@ -18156,7 +18157,7 @@
   </p:timing>
   <p:extLst mod="1">
     <p:ext uri="{DCECCB84-F9BA-43D5-87BE-67443E8EF086}">
-      <p15:sldGuideLst xmlns="" xmlns:p15="http://schemas.microsoft.com/office/powerpoint/2012/main">
+      <p15:sldGuideLst xmlns:p15="http://schemas.microsoft.com/office/powerpoint/2012/main" xmlns="">
         <p15:guide id="1" pos="3720">
           <p15:clr>
             <a:srgbClr val="FBAE40"/>
@@ -18423,7 +18424,7 @@
   </p:timing>
   <p:extLst mod="1">
     <p:ext uri="{DCECCB84-F9BA-43D5-87BE-67443E8EF086}">
-      <p15:sldGuideLst xmlns="" xmlns:p15="http://schemas.microsoft.com/office/powerpoint/2012/main">
+      <p15:sldGuideLst xmlns:p15="http://schemas.microsoft.com/office/powerpoint/2012/main" xmlns="">
         <p15:guide id="1" pos="3720">
           <p15:clr>
             <a:srgbClr val="FBAE40"/>
@@ -18863,7 +18864,7 @@
   </p:timing>
   <p:extLst mod="1">
     <p:ext uri="{DCECCB84-F9BA-43D5-87BE-67443E8EF086}">
-      <p15:sldGuideLst xmlns="" xmlns:p15="http://schemas.microsoft.com/office/powerpoint/2012/main">
+      <p15:sldGuideLst xmlns:p15="http://schemas.microsoft.com/office/powerpoint/2012/main" xmlns="">
         <p15:guide id="1" pos="3720">
           <p15:clr>
             <a:srgbClr val="FBAE40"/>
@@ -19215,7 +19216,7 @@
   </p:timing>
   <p:extLst mod="1">
     <p:ext uri="{DCECCB84-F9BA-43D5-87BE-67443E8EF086}">
-      <p15:sldGuideLst xmlns="" xmlns:p15="http://schemas.microsoft.com/office/powerpoint/2012/main">
+      <p15:sldGuideLst xmlns:p15="http://schemas.microsoft.com/office/powerpoint/2012/main" xmlns="">
         <p15:guide id="1" pos="3720" userDrawn="1">
           <p15:clr>
             <a:srgbClr val="FBAE40"/>
@@ -19606,7 +19607,7 @@
   </p:timing>
   <p:extLst mod="1">
     <p:ext uri="{DCECCB84-F9BA-43D5-87BE-67443E8EF086}">
-      <p15:sldGuideLst xmlns="" xmlns:p15="http://schemas.microsoft.com/office/powerpoint/2012/main">
+      <p15:sldGuideLst xmlns:p15="http://schemas.microsoft.com/office/powerpoint/2012/main" xmlns="">
         <p15:guide id="1" pos="2591" userDrawn="1">
           <p15:clr>
             <a:srgbClr val="FBAE40"/>
@@ -20128,7 +20129,7 @@
   </p:timing>
   <p:extLst mod="1">
     <p:ext uri="{DCECCB84-F9BA-43D5-87BE-67443E8EF086}">
-      <p15:sldGuideLst xmlns="" xmlns:p15="http://schemas.microsoft.com/office/powerpoint/2012/main">
+      <p15:sldGuideLst xmlns:p15="http://schemas.microsoft.com/office/powerpoint/2012/main" xmlns="">
         <p15:guide id="2" pos="2808">
           <p15:clr>
             <a:srgbClr val="FBAE40"/>
@@ -20690,7 +20691,7 @@
   </p:timing>
   <p:extLst mod="1">
     <p:ext uri="{DCECCB84-F9BA-43D5-87BE-67443E8EF086}">
-      <p15:sldGuideLst xmlns="" xmlns:p15="http://schemas.microsoft.com/office/powerpoint/2012/main">
+      <p15:sldGuideLst xmlns:p15="http://schemas.microsoft.com/office/powerpoint/2012/main" xmlns="">
         <p15:guide id="2" pos="3720" userDrawn="1">
           <p15:clr>
             <a:srgbClr val="FBAE40"/>
@@ -21440,7 +21441,7 @@
   </p:timing>
   <p:extLst mod="1">
     <p:ext uri="{DCECCB84-F9BA-43D5-87BE-67443E8EF086}">
-      <p15:sldGuideLst xmlns="" xmlns:p15="http://schemas.microsoft.com/office/powerpoint/2012/main">
+      <p15:sldGuideLst xmlns:p15="http://schemas.microsoft.com/office/powerpoint/2012/main" xmlns="">
         <p15:guide id="2" pos="2592" userDrawn="1">
           <p15:clr>
             <a:srgbClr val="FBAE40"/>
@@ -22413,7 +22414,7 @@
   </p:timing>
   <p:extLst mod="1">
     <p:ext uri="{DCECCB84-F9BA-43D5-87BE-67443E8EF086}">
-      <p15:sldGuideLst xmlns="" xmlns:p15="http://schemas.microsoft.com/office/powerpoint/2012/main">
+      <p15:sldGuideLst xmlns:p15="http://schemas.microsoft.com/office/powerpoint/2012/main" xmlns="">
         <p15:guide id="2" pos="2149" userDrawn="1">
           <p15:clr>
             <a:srgbClr val="FBAE40"/>
@@ -23622,7 +23623,7 @@
   </p:timing>
   <p:extLst mod="1">
     <p:ext uri="{DCECCB84-F9BA-43D5-87BE-67443E8EF086}">
-      <p15:sldGuideLst xmlns="" xmlns:p15="http://schemas.microsoft.com/office/powerpoint/2012/main">
+      <p15:sldGuideLst xmlns:p15="http://schemas.microsoft.com/office/powerpoint/2012/main" xmlns="">
         <p15:guide id="1" pos="2854" userDrawn="1">
           <p15:clr>
             <a:srgbClr val="FBAE40"/>
@@ -24725,7 +24726,7 @@
   </p:timing>
   <p:extLst mod="1">
     <p:ext uri="{DCECCB84-F9BA-43D5-87BE-67443E8EF086}">
-      <p15:sldGuideLst xmlns="" xmlns:p15="http://schemas.microsoft.com/office/powerpoint/2012/main">
+      <p15:sldGuideLst xmlns:p15="http://schemas.microsoft.com/office/powerpoint/2012/main" xmlns="">
         <p15:guide id="1" pos="4806" userDrawn="1">
           <p15:clr>
             <a:srgbClr val="FBAE40"/>
@@ -26883,7 +26884,7 @@
   </p:timing>
   <p:extLst mod="1">
     <p:ext uri="{DCECCB84-F9BA-43D5-87BE-67443E8EF086}">
-      <p15:sldGuideLst xmlns="" xmlns:p15="http://schemas.microsoft.com/office/powerpoint/2012/main">
+      <p15:sldGuideLst xmlns:p15="http://schemas.microsoft.com/office/powerpoint/2012/main" xmlns="">
         <p15:guide id="1" pos="302">
           <p15:clr>
             <a:srgbClr val="FBAE40"/>
@@ -29404,7 +29405,7 @@
   </p:timing>
   <p:extLst mod="1">
     <p:ext uri="{DCECCB84-F9BA-43D5-87BE-67443E8EF086}">
-      <p15:sldGuideLst xmlns="" xmlns:p15="http://schemas.microsoft.com/office/powerpoint/2012/main">
+      <p15:sldGuideLst xmlns:p15="http://schemas.microsoft.com/office/powerpoint/2012/main" xmlns="">
         <p15:guide id="1" pos="3720" userDrawn="1">
           <p15:clr>
             <a:srgbClr val="FBAE40"/>
@@ -34174,7 +34175,7 @@
   </p:timing>
   <p:extLst mod="1">
     <p:ext uri="{DCECCB84-F9BA-43D5-87BE-67443E8EF086}">
-      <p15:sldGuideLst xmlns="" xmlns:p15="http://schemas.microsoft.com/office/powerpoint/2012/main">
+      <p15:sldGuideLst xmlns:p15="http://schemas.microsoft.com/office/powerpoint/2012/main" xmlns="">
         <p15:guide id="1" orient="horz" pos="4135" userDrawn="1">
           <p15:clr>
             <a:srgbClr val="FBAE40"/>
@@ -36771,7 +36772,7 @@
   </p:timing>
   <p:extLst mod="1">
     <p:ext uri="{DCECCB84-F9BA-43D5-87BE-67443E8EF086}">
-      <p15:sldGuideLst xmlns="" xmlns:p15="http://schemas.microsoft.com/office/powerpoint/2012/main">
+      <p15:sldGuideLst xmlns:p15="http://schemas.microsoft.com/office/powerpoint/2012/main" xmlns="">
         <p15:guide id="1" orient="horz" pos="4135" userDrawn="1">
           <p15:clr>
             <a:srgbClr val="FBAE40"/>
@@ -39512,7 +39513,7 @@
   </p:timing>
   <p:extLst mod="1">
     <p:ext uri="{DCECCB84-F9BA-43D5-87BE-67443E8EF086}">
-      <p15:sldGuideLst xmlns="" xmlns:p15="http://schemas.microsoft.com/office/powerpoint/2012/main">
+      <p15:sldGuideLst xmlns:p15="http://schemas.microsoft.com/office/powerpoint/2012/main" xmlns="">
         <p15:guide id="1" orient="horz" pos="4135" userDrawn="1">
           <p15:clr>
             <a:srgbClr val="FBAE40"/>
@@ -41670,7 +41671,7 @@
   </p:timing>
   <p:extLst mod="1">
     <p:ext uri="{DCECCB84-F9BA-43D5-87BE-67443E8EF086}">
-      <p15:sldGuideLst xmlns="" xmlns:p15="http://schemas.microsoft.com/office/powerpoint/2012/main">
+      <p15:sldGuideLst xmlns:p15="http://schemas.microsoft.com/office/powerpoint/2012/main" xmlns="">
         <p15:guide id="1" orient="horz" pos="4135">
           <p15:clr>
             <a:srgbClr val="FBAE40"/>
@@ -44112,7 +44113,7 @@
   </p:txStyles>
   <p:extLst mod="1">
     <p:ext uri="{27BBF7A9-308A-43DC-89C8-2F10F3537804}">
-      <p15:sldGuideLst xmlns="" xmlns:p15="http://schemas.microsoft.com/office/powerpoint/2012/main">
+      <p15:sldGuideLst xmlns:p15="http://schemas.microsoft.com/office/powerpoint/2012/main" xmlns="">
         <p15:guide id="3" orient="horz" pos="721" userDrawn="1">
           <p15:clr>
             <a:srgbClr val="F26B43"/>
@@ -44212,33 +44213,10 @@
           <a:lstStyle/>
           <a:p>
             <a:r>
-              <a:rPr lang="en-US" smtClean="0"/>
-              <a:t>Title of this presentation</a:t>
+              <a:rPr lang="en-US" dirty="0" err="1" smtClean="0"/>
+              <a:t>Periphas</a:t>
             </a:r>
             <a:endParaRPr lang="en-GB" dirty="0"/>
-          </a:p>
-        </p:txBody>
-      </p:sp>
-      <p:sp>
-        <p:nvSpPr>
-          <p:cNvPr id="16" name="Subtitle 15"/>
-          <p:cNvSpPr>
-            <a:spLocks noGrp="1"/>
-          </p:cNvSpPr>
-          <p:nvPr>
-            <p:ph type="subTitle" idx="1"/>
-          </p:nvPr>
-        </p:nvSpPr>
-        <p:spPr/>
-        <p:txBody>
-          <a:bodyPr/>
-          <a:lstStyle/>
-          <a:p>
-            <a:r>
-              <a:rPr lang="en-US" smtClean="0"/>
-              <a:t>Name of the speaker, Title of the speaker</a:t>
-            </a:r>
-            <a:endParaRPr lang="en-US"/>
           </a:p>
         </p:txBody>
       </p:sp>
@@ -44258,33 +44236,10 @@
           <a:lstStyle/>
           <a:p>
             <a:r>
-              <a:rPr lang="en-US" smtClean="0"/>
-              <a:t>Subtitle of this presentation</a:t>
-            </a:r>
-            <a:endParaRPr lang="en-US"/>
-          </a:p>
-        </p:txBody>
-      </p:sp>
-      <p:sp>
-        <p:nvSpPr>
-          <p:cNvPr id="7" name="Text Placeholder 6"/>
-          <p:cNvSpPr>
-            <a:spLocks noGrp="1"/>
-          </p:cNvSpPr>
-          <p:nvPr>
-            <p:ph type="body" sz="quarter" idx="14"/>
-          </p:nvPr>
-        </p:nvSpPr>
-        <p:spPr/>
-        <p:txBody>
-          <a:bodyPr/>
-          <a:lstStyle/>
-          <a:p>
-            <a:r>
-              <a:rPr lang="en-US" smtClean="0"/>
-              <a:t>Amsterdam • 00 Month 2015</a:t>
-            </a:r>
-            <a:endParaRPr lang="en-US"/>
+              <a:rPr lang="en-US" dirty="0" smtClean="0"/>
+              <a:t>Application Architecture</a:t>
+            </a:r>
+            <a:endParaRPr lang="en-US" dirty="0"/>
           </a:p>
         </p:txBody>
       </p:sp>
@@ -44352,220 +44307,6 @@
       </p:grpSpPr>
       <p:sp>
         <p:nvSpPr>
-          <p:cNvPr id="2" name="Content Placeholder 1"/>
-          <p:cNvSpPr>
-            <a:spLocks noGrp="1"/>
-          </p:cNvSpPr>
-          <p:nvPr>
-            <p:ph idx="1"/>
-          </p:nvPr>
-        </p:nvSpPr>
-        <p:spPr/>
-        <p:txBody>
-          <a:bodyPr/>
-          <a:lstStyle/>
-          <a:p>
-            <a:pPr>
-              <a:lnSpc>
-                <a:spcPct val="90000"/>
-              </a:lnSpc>
-            </a:pPr>
-            <a:r>
-              <a:rPr lang="en-US" dirty="0" smtClean="0"/>
-              <a:t>Initially</a:t>
-            </a:r>
-            <a:r>
-              <a:rPr lang="en-US" dirty="0"/>
-              <a:t>, the only usable action should be doing a POST to a configurable endpoint with configurable </a:t>
-            </a:r>
-            <a:r>
-              <a:rPr lang="en-US" dirty="0" smtClean="0"/>
-              <a:t>data, where certain variables can be used with the $-symbol. For example:</a:t>
-            </a:r>
-          </a:p>
-          <a:p>
-            <a:pPr>
-              <a:lnSpc>
-                <a:spcPct val="90000"/>
-              </a:lnSpc>
-            </a:pPr>
-            <a:endParaRPr lang="en-US" dirty="0" smtClean="0"/>
-          </a:p>
-          <a:p>
-            <a:pPr>
-              <a:lnSpc>
-                <a:spcPct val="90000"/>
-              </a:lnSpc>
-            </a:pPr>
-            <a:r>
-              <a:rPr lang="en-US" dirty="0" smtClean="0"/>
-              <a:t>action </a:t>
-            </a:r>
-            <a:r>
-              <a:rPr lang="en-US" dirty="0"/>
-              <a:t>= </a:t>
-            </a:r>
-            <a:r>
-              <a:rPr lang="en-US" dirty="0" smtClean="0"/>
-              <a:t>{</a:t>
-            </a:r>
-          </a:p>
-          <a:p>
-            <a:pPr>
-              <a:lnSpc>
-                <a:spcPct val="90000"/>
-              </a:lnSpc>
-            </a:pPr>
-            <a:r>
-              <a:rPr lang="en-US" dirty="0"/>
-              <a:t> </a:t>
-            </a:r>
-            <a:r>
-              <a:rPr lang="en-US" dirty="0" smtClean="0"/>
-              <a:t> “</a:t>
-            </a:r>
-            <a:r>
-              <a:rPr lang="en-US" dirty="0"/>
-              <a:t>post-</a:t>
-            </a:r>
-            <a:r>
-              <a:rPr lang="en-US" dirty="0" err="1"/>
-              <a:t>url</a:t>
-            </a:r>
-            <a:r>
-              <a:rPr lang="en-US" dirty="0"/>
-              <a:t>”: </a:t>
-            </a:r>
-            <a:r>
-              <a:rPr lang="en-US" dirty="0">
-                <a:hlinkClick r:id="rId2"/>
-              </a:rPr>
-              <a:t>http://localhost:9999/emailserver</a:t>
-            </a:r>
-            <a:r>
-              <a:rPr lang="en-US" dirty="0"/>
-              <a:t>,</a:t>
-            </a:r>
-            <a:endParaRPr lang="nl-NL" dirty="0"/>
-          </a:p>
-          <a:p>
-            <a:pPr>
-              <a:lnSpc>
-                <a:spcPct val="90000"/>
-              </a:lnSpc>
-            </a:pPr>
-            <a:r>
-              <a:rPr lang="en-US" dirty="0" smtClean="0"/>
-              <a:t>  “</a:t>
-            </a:r>
-            <a:r>
-              <a:rPr lang="en-US" dirty="0"/>
-              <a:t>data”: </a:t>
-            </a:r>
-            <a:r>
-              <a:rPr lang="en-US" dirty="0" smtClean="0"/>
-              <a:t>{</a:t>
-            </a:r>
-          </a:p>
-          <a:p>
-            <a:pPr>
-              <a:lnSpc>
-                <a:spcPct val="90000"/>
-              </a:lnSpc>
-            </a:pPr>
-            <a:r>
-              <a:rPr lang="en-US" dirty="0"/>
-              <a:t> </a:t>
-            </a:r>
-            <a:r>
-              <a:rPr lang="en-US" dirty="0" smtClean="0"/>
-              <a:t>   “</a:t>
-            </a:r>
-            <a:r>
-              <a:rPr lang="en-US" dirty="0"/>
-              <a:t>component”: “$</a:t>
-            </a:r>
-            <a:r>
-              <a:rPr lang="en-US" dirty="0" err="1" smtClean="0"/>
-              <a:t>componentId</a:t>
-            </a:r>
-            <a:r>
-              <a:rPr lang="en-US" dirty="0" smtClean="0"/>
-              <a:t>,</a:t>
-            </a:r>
-          </a:p>
-          <a:p>
-            <a:pPr>
-              <a:lnSpc>
-                <a:spcPct val="90000"/>
-              </a:lnSpc>
-            </a:pPr>
-            <a:r>
-              <a:rPr lang="en-US" dirty="0"/>
-              <a:t> </a:t>
-            </a:r>
-            <a:r>
-              <a:rPr lang="en-US" dirty="0" smtClean="0"/>
-              <a:t>   “message”: “Rule $alert-rule-id breach triggered by log $log-id on component $</a:t>
-            </a:r>
-            <a:r>
-              <a:rPr lang="en-US" dirty="0" err="1" smtClean="0"/>
-              <a:t>componentId</a:t>
-            </a:r>
-            <a:r>
-              <a:rPr lang="en-US" dirty="0" smtClean="0"/>
-              <a:t>”</a:t>
-            </a:r>
-          </a:p>
-          <a:p>
-            <a:pPr>
-              <a:lnSpc>
-                <a:spcPct val="90000"/>
-              </a:lnSpc>
-            </a:pPr>
-            <a:r>
-              <a:rPr lang="en-US" dirty="0"/>
-              <a:t> </a:t>
-            </a:r>
-            <a:r>
-              <a:rPr lang="en-US" dirty="0" smtClean="0"/>
-              <a:t> }</a:t>
-            </a:r>
-          </a:p>
-          <a:p>
-            <a:pPr>
-              <a:lnSpc>
-                <a:spcPct val="90000"/>
-              </a:lnSpc>
-            </a:pPr>
-            <a:r>
-              <a:rPr lang="en-US" dirty="0" smtClean="0"/>
-              <a:t>}</a:t>
-            </a:r>
-            <a:endParaRPr lang="en-US" dirty="0"/>
-          </a:p>
-          <a:p>
-            <a:endParaRPr lang="en-US" dirty="0" smtClean="0"/>
-          </a:p>
-          <a:p>
-            <a:r>
-              <a:rPr lang="en-US" dirty="0" smtClean="0"/>
-              <a:t>All $-variables should be replaced with the respective information. The “data” field of the action-object should be included as payload in the POST that is done to the “post-</a:t>
-            </a:r>
-            <a:r>
-              <a:rPr lang="en-US" dirty="0" err="1" smtClean="0"/>
-              <a:t>url</a:t>
-            </a:r>
-            <a:r>
-              <a:rPr lang="en-US" dirty="0" smtClean="0"/>
-              <a:t>”</a:t>
-            </a:r>
-            <a:endParaRPr lang="nl-NL" dirty="0"/>
-          </a:p>
-        </p:txBody>
-      </p:sp>
-      <p:sp>
-        <p:nvSpPr>
           <p:cNvPr id="3" name="Title 2"/>
           <p:cNvSpPr>
             <a:spLocks noGrp="1"/>
@@ -44581,7 +44322,7 @@
           <a:p>
             <a:r>
               <a:rPr lang="en-US" dirty="0" smtClean="0"/>
-              <a:t>Actions</a:t>
+              <a:t>Endpoints</a:t>
             </a:r>
             <a:endParaRPr lang="nl-NL" dirty="0"/>
           </a:p>
@@ -44606,6 +44347,1710 @@
               <a:rPr lang="en-GB" noProof="0" smtClean="0"/>
               <a:pPr/>
               <a:t>10</a:t>
+            </a:fld>
+            <a:endParaRPr lang="en-GB" noProof="0" dirty="0"/>
+          </a:p>
+        </p:txBody>
+      </p:sp>
+      <p:sp>
+        <p:nvSpPr>
+          <p:cNvPr id="5" name="Rectangle 4"/>
+          <p:cNvSpPr/>
+          <p:nvPr/>
+        </p:nvSpPr>
+        <p:spPr>
+          <a:xfrm>
+            <a:off x="310896" y="2465832"/>
+            <a:ext cx="2121408" cy="365760"/>
+          </a:xfrm>
+          <a:prstGeom prst="rect">
+            <a:avLst/>
+          </a:prstGeom>
+          <a:noFill/>
+          <a:ln w="25400">
+            <a:solidFill>
+              <a:schemeClr val="tx1"/>
+            </a:solidFill>
+          </a:ln>
+        </p:spPr>
+        <p:style>
+          <a:lnRef idx="2">
+            <a:schemeClr val="accent1">
+              <a:shade val="50000"/>
+            </a:schemeClr>
+          </a:lnRef>
+          <a:fillRef idx="1">
+            <a:schemeClr val="accent1"/>
+          </a:fillRef>
+          <a:effectRef idx="0">
+            <a:schemeClr val="accent1"/>
+          </a:effectRef>
+          <a:fontRef idx="minor">
+            <a:schemeClr val="lt1"/>
+          </a:fontRef>
+        </p:style>
+        <p:txBody>
+          <a:bodyPr rot="0" spcFirstLastPara="0" vertOverflow="overflow" horzOverflow="overflow" vert="horz" wrap="square" lIns="36000" tIns="36000" rIns="36000" bIns="36000" numCol="1" spcCol="0" rtlCol="0" fromWordArt="0" anchor="ctr" anchorCtr="0" forceAA="0" compatLnSpc="1">
+            <a:prstTxWarp prst="textNoShape">
+              <a:avLst/>
+            </a:prstTxWarp>
+            <a:noAutofit/>
+          </a:bodyPr>
+          <a:lstStyle/>
+          <a:p>
+            <a:pPr algn="ctr">
+              <a:lnSpc>
+                <a:spcPct val="90000"/>
+              </a:lnSpc>
+            </a:pPr>
+            <a:r>
+              <a:rPr lang="en-US" sz="1600" dirty="0" smtClean="0">
+                <a:solidFill>
+                  <a:schemeClr val="tx1"/>
+                </a:solidFill>
+              </a:rPr>
+              <a:t>/components/</a:t>
+            </a:r>
+          </a:p>
+        </p:txBody>
+      </p:sp>
+      <p:sp>
+        <p:nvSpPr>
+          <p:cNvPr id="28" name="Rectangle 27"/>
+          <p:cNvSpPr/>
+          <p:nvPr/>
+        </p:nvSpPr>
+        <p:spPr>
+          <a:xfrm>
+            <a:off x="310896" y="2831592"/>
+            <a:ext cx="2121408" cy="365760"/>
+          </a:xfrm>
+          <a:prstGeom prst="rect">
+            <a:avLst/>
+          </a:prstGeom>
+          <a:noFill/>
+          <a:ln w="25400">
+            <a:solidFill>
+              <a:schemeClr val="tx1"/>
+            </a:solidFill>
+          </a:ln>
+        </p:spPr>
+        <p:style>
+          <a:lnRef idx="2">
+            <a:schemeClr val="accent1">
+              <a:shade val="50000"/>
+            </a:schemeClr>
+          </a:lnRef>
+          <a:fillRef idx="1">
+            <a:schemeClr val="accent1"/>
+          </a:fillRef>
+          <a:effectRef idx="0">
+            <a:schemeClr val="accent1"/>
+          </a:effectRef>
+          <a:fontRef idx="minor">
+            <a:schemeClr val="lt1"/>
+          </a:fontRef>
+        </p:style>
+        <p:txBody>
+          <a:bodyPr rot="0" spcFirstLastPara="0" vertOverflow="overflow" horzOverflow="overflow" vert="horz" wrap="square" lIns="36000" tIns="36000" rIns="36000" bIns="36000" numCol="1" spcCol="0" rtlCol="0" fromWordArt="0" anchor="ctr" anchorCtr="0" forceAA="0" compatLnSpc="1">
+            <a:prstTxWarp prst="textNoShape">
+              <a:avLst/>
+            </a:prstTxWarp>
+            <a:noAutofit/>
+          </a:bodyPr>
+          <a:lstStyle/>
+          <a:p>
+            <a:pPr algn="ctr">
+              <a:lnSpc>
+                <a:spcPct val="90000"/>
+              </a:lnSpc>
+            </a:pPr>
+            <a:r>
+              <a:rPr lang="en-US" sz="1600" u="sng" dirty="0" err="1" smtClean="0">
+                <a:solidFill>
+                  <a:schemeClr val="tx1"/>
+                </a:solidFill>
+              </a:rPr>
+              <a:t>componentId</a:t>
+            </a:r>
+            <a:r>
+              <a:rPr lang="en-US" sz="1600" u="sng" dirty="0" smtClean="0">
+                <a:solidFill>
+                  <a:schemeClr val="tx1"/>
+                </a:solidFill>
+              </a:rPr>
+              <a:t>: String</a:t>
+            </a:r>
+          </a:p>
+        </p:txBody>
+      </p:sp>
+      <p:sp>
+        <p:nvSpPr>
+          <p:cNvPr id="29" name="Rectangle 28"/>
+          <p:cNvSpPr/>
+          <p:nvPr/>
+        </p:nvSpPr>
+        <p:spPr>
+          <a:xfrm>
+            <a:off x="310896" y="3197352"/>
+            <a:ext cx="2121408" cy="365760"/>
+          </a:xfrm>
+          <a:prstGeom prst="rect">
+            <a:avLst/>
+          </a:prstGeom>
+          <a:noFill/>
+          <a:ln w="25400">
+            <a:solidFill>
+              <a:schemeClr val="tx1"/>
+            </a:solidFill>
+          </a:ln>
+        </p:spPr>
+        <p:style>
+          <a:lnRef idx="2">
+            <a:schemeClr val="accent1">
+              <a:shade val="50000"/>
+            </a:schemeClr>
+          </a:lnRef>
+          <a:fillRef idx="1">
+            <a:schemeClr val="accent1"/>
+          </a:fillRef>
+          <a:effectRef idx="0">
+            <a:schemeClr val="accent1"/>
+          </a:effectRef>
+          <a:fontRef idx="minor">
+            <a:schemeClr val="lt1"/>
+          </a:fontRef>
+        </p:style>
+        <p:txBody>
+          <a:bodyPr rot="0" spcFirstLastPara="0" vertOverflow="overflow" horzOverflow="overflow" vert="horz" wrap="square" lIns="36000" tIns="36000" rIns="36000" bIns="36000" numCol="1" spcCol="0" rtlCol="0" fromWordArt="0" anchor="ctr" anchorCtr="0" forceAA="0" compatLnSpc="1">
+            <a:prstTxWarp prst="textNoShape">
+              <a:avLst/>
+            </a:prstTxWarp>
+            <a:noAutofit/>
+          </a:bodyPr>
+          <a:lstStyle/>
+          <a:p>
+            <a:pPr algn="ctr">
+              <a:lnSpc>
+                <a:spcPct val="90000"/>
+              </a:lnSpc>
+            </a:pPr>
+            <a:r>
+              <a:rPr lang="en-US" sz="1600" dirty="0" smtClean="0">
+                <a:solidFill>
+                  <a:schemeClr val="tx1"/>
+                </a:solidFill>
+              </a:rPr>
+              <a:t>…</a:t>
+            </a:r>
+          </a:p>
+        </p:txBody>
+      </p:sp>
+      <p:sp>
+        <p:nvSpPr>
+          <p:cNvPr id="30" name="Rectangle 29"/>
+          <p:cNvSpPr/>
+          <p:nvPr/>
+        </p:nvSpPr>
+        <p:spPr>
+          <a:xfrm>
+            <a:off x="3608832" y="496824"/>
+            <a:ext cx="1920240" cy="365760"/>
+          </a:xfrm>
+          <a:prstGeom prst="rect">
+            <a:avLst/>
+          </a:prstGeom>
+          <a:noFill/>
+          <a:ln w="25400">
+            <a:solidFill>
+              <a:schemeClr val="tx1"/>
+            </a:solidFill>
+          </a:ln>
+        </p:spPr>
+        <p:style>
+          <a:lnRef idx="2">
+            <a:schemeClr val="accent1">
+              <a:shade val="50000"/>
+            </a:schemeClr>
+          </a:lnRef>
+          <a:fillRef idx="1">
+            <a:schemeClr val="accent1"/>
+          </a:fillRef>
+          <a:effectRef idx="0">
+            <a:schemeClr val="accent1"/>
+          </a:effectRef>
+          <a:fontRef idx="minor">
+            <a:schemeClr val="lt1"/>
+          </a:fontRef>
+        </p:style>
+        <p:txBody>
+          <a:bodyPr rot="0" spcFirstLastPara="0" vertOverflow="overflow" horzOverflow="overflow" vert="horz" wrap="square" lIns="36000" tIns="36000" rIns="36000" bIns="36000" numCol="1" spcCol="0" rtlCol="0" fromWordArt="0" anchor="ctr" anchorCtr="0" forceAA="0" compatLnSpc="1">
+            <a:prstTxWarp prst="textNoShape">
+              <a:avLst/>
+            </a:prstTxWarp>
+            <a:noAutofit/>
+          </a:bodyPr>
+          <a:lstStyle/>
+          <a:p>
+            <a:pPr algn="ctr">
+              <a:lnSpc>
+                <a:spcPct val="90000"/>
+              </a:lnSpc>
+            </a:pPr>
+            <a:r>
+              <a:rPr lang="en-US" sz="1600" dirty="0" smtClean="0">
+                <a:solidFill>
+                  <a:schemeClr val="tx1"/>
+                </a:solidFill>
+              </a:rPr>
+              <a:t>/metrics/</a:t>
+            </a:r>
+          </a:p>
+        </p:txBody>
+      </p:sp>
+      <p:sp>
+        <p:nvSpPr>
+          <p:cNvPr id="31" name="Rectangle 30"/>
+          <p:cNvSpPr/>
+          <p:nvPr/>
+        </p:nvSpPr>
+        <p:spPr>
+          <a:xfrm>
+            <a:off x="3608832" y="862584"/>
+            <a:ext cx="1920240" cy="365760"/>
+          </a:xfrm>
+          <a:prstGeom prst="rect">
+            <a:avLst/>
+          </a:prstGeom>
+          <a:noFill/>
+          <a:ln w="25400">
+            <a:solidFill>
+              <a:schemeClr val="tx1"/>
+            </a:solidFill>
+          </a:ln>
+        </p:spPr>
+        <p:style>
+          <a:lnRef idx="2">
+            <a:schemeClr val="accent1">
+              <a:shade val="50000"/>
+            </a:schemeClr>
+          </a:lnRef>
+          <a:fillRef idx="1">
+            <a:schemeClr val="accent1"/>
+          </a:fillRef>
+          <a:effectRef idx="0">
+            <a:schemeClr val="accent1"/>
+          </a:effectRef>
+          <a:fontRef idx="minor">
+            <a:schemeClr val="lt1"/>
+          </a:fontRef>
+        </p:style>
+        <p:txBody>
+          <a:bodyPr rot="0" spcFirstLastPara="0" vertOverflow="overflow" horzOverflow="overflow" vert="horz" wrap="square" lIns="36000" tIns="36000" rIns="36000" bIns="36000" numCol="1" spcCol="0" rtlCol="0" fromWordArt="0" anchor="ctr" anchorCtr="0" forceAA="0" compatLnSpc="1">
+            <a:prstTxWarp prst="textNoShape">
+              <a:avLst/>
+            </a:prstTxWarp>
+            <a:noAutofit/>
+          </a:bodyPr>
+          <a:lstStyle/>
+          <a:p>
+            <a:pPr algn="ctr">
+              <a:lnSpc>
+                <a:spcPct val="90000"/>
+              </a:lnSpc>
+            </a:pPr>
+            <a:r>
+              <a:rPr lang="en-US" sz="1600" u="sng" dirty="0" smtClean="0">
+                <a:solidFill>
+                  <a:schemeClr val="tx1"/>
+                </a:solidFill>
+              </a:rPr>
+              <a:t>metric-key: String</a:t>
+            </a:r>
+          </a:p>
+        </p:txBody>
+      </p:sp>
+      <p:sp>
+        <p:nvSpPr>
+          <p:cNvPr id="32" name="Rectangle 31"/>
+          <p:cNvSpPr/>
+          <p:nvPr/>
+        </p:nvSpPr>
+        <p:spPr>
+          <a:xfrm>
+            <a:off x="3608832" y="1228344"/>
+            <a:ext cx="1920240" cy="365760"/>
+          </a:xfrm>
+          <a:prstGeom prst="rect">
+            <a:avLst/>
+          </a:prstGeom>
+          <a:noFill/>
+          <a:ln w="25400">
+            <a:solidFill>
+              <a:schemeClr val="tx1"/>
+            </a:solidFill>
+          </a:ln>
+        </p:spPr>
+        <p:style>
+          <a:lnRef idx="2">
+            <a:schemeClr val="accent1">
+              <a:shade val="50000"/>
+            </a:schemeClr>
+          </a:lnRef>
+          <a:fillRef idx="1">
+            <a:schemeClr val="accent1"/>
+          </a:fillRef>
+          <a:effectRef idx="0">
+            <a:schemeClr val="accent1"/>
+          </a:effectRef>
+          <a:fontRef idx="minor">
+            <a:schemeClr val="lt1"/>
+          </a:fontRef>
+        </p:style>
+        <p:txBody>
+          <a:bodyPr rot="0" spcFirstLastPara="0" vertOverflow="overflow" horzOverflow="overflow" vert="horz" wrap="square" lIns="36000" tIns="36000" rIns="36000" bIns="36000" numCol="1" spcCol="0" rtlCol="0" fromWordArt="0" anchor="ctr" anchorCtr="0" forceAA="0" compatLnSpc="1">
+            <a:prstTxWarp prst="textNoShape">
+              <a:avLst/>
+            </a:prstTxWarp>
+            <a:noAutofit/>
+          </a:bodyPr>
+          <a:lstStyle/>
+          <a:p>
+            <a:pPr algn="ctr">
+              <a:lnSpc>
+                <a:spcPct val="90000"/>
+              </a:lnSpc>
+            </a:pPr>
+            <a:r>
+              <a:rPr lang="en-US" sz="1600" dirty="0">
+                <a:solidFill>
+                  <a:schemeClr val="tx1"/>
+                </a:solidFill>
+              </a:rPr>
+              <a:t>r</a:t>
+            </a:r>
+            <a:r>
+              <a:rPr lang="en-US" sz="1600" dirty="0" smtClean="0">
+                <a:solidFill>
+                  <a:schemeClr val="tx1"/>
+                </a:solidFill>
+              </a:rPr>
+              <a:t>egex: String</a:t>
+            </a:r>
+          </a:p>
+        </p:txBody>
+      </p:sp>
+      <p:sp>
+        <p:nvSpPr>
+          <p:cNvPr id="33" name="Rectangle 32"/>
+          <p:cNvSpPr/>
+          <p:nvPr/>
+        </p:nvSpPr>
+        <p:spPr>
+          <a:xfrm>
+            <a:off x="3608832" y="1877568"/>
+            <a:ext cx="1920240" cy="365760"/>
+          </a:xfrm>
+          <a:prstGeom prst="rect">
+            <a:avLst/>
+          </a:prstGeom>
+          <a:noFill/>
+          <a:ln w="25400">
+            <a:solidFill>
+              <a:schemeClr val="tx1"/>
+            </a:solidFill>
+          </a:ln>
+        </p:spPr>
+        <p:style>
+          <a:lnRef idx="2">
+            <a:schemeClr val="accent1">
+              <a:shade val="50000"/>
+            </a:schemeClr>
+          </a:lnRef>
+          <a:fillRef idx="1">
+            <a:schemeClr val="accent1"/>
+          </a:fillRef>
+          <a:effectRef idx="0">
+            <a:schemeClr val="accent1"/>
+          </a:effectRef>
+          <a:fontRef idx="minor">
+            <a:schemeClr val="lt1"/>
+          </a:fontRef>
+        </p:style>
+        <p:txBody>
+          <a:bodyPr rot="0" spcFirstLastPara="0" vertOverflow="overflow" horzOverflow="overflow" vert="horz" wrap="square" lIns="36000" tIns="36000" rIns="36000" bIns="36000" numCol="1" spcCol="0" rtlCol="0" fromWordArt="0" anchor="ctr" anchorCtr="0" forceAA="0" compatLnSpc="1">
+            <a:prstTxWarp prst="textNoShape">
+              <a:avLst/>
+            </a:prstTxWarp>
+            <a:noAutofit/>
+          </a:bodyPr>
+          <a:lstStyle/>
+          <a:p>
+            <a:pPr algn="ctr">
+              <a:lnSpc>
+                <a:spcPct val="90000"/>
+              </a:lnSpc>
+            </a:pPr>
+            <a:r>
+              <a:rPr lang="en-US" sz="1600" dirty="0" smtClean="0">
+                <a:solidFill>
+                  <a:schemeClr val="tx1"/>
+                </a:solidFill>
+              </a:rPr>
+              <a:t>/logs/</a:t>
+            </a:r>
+          </a:p>
+        </p:txBody>
+      </p:sp>
+      <p:sp>
+        <p:nvSpPr>
+          <p:cNvPr id="34" name="Rectangle 33"/>
+          <p:cNvSpPr/>
+          <p:nvPr/>
+        </p:nvSpPr>
+        <p:spPr>
+          <a:xfrm>
+            <a:off x="3608832" y="2243328"/>
+            <a:ext cx="1920240" cy="365760"/>
+          </a:xfrm>
+          <a:prstGeom prst="rect">
+            <a:avLst/>
+          </a:prstGeom>
+          <a:noFill/>
+          <a:ln w="25400">
+            <a:solidFill>
+              <a:schemeClr val="tx1"/>
+            </a:solidFill>
+          </a:ln>
+        </p:spPr>
+        <p:style>
+          <a:lnRef idx="2">
+            <a:schemeClr val="accent1">
+              <a:shade val="50000"/>
+            </a:schemeClr>
+          </a:lnRef>
+          <a:fillRef idx="1">
+            <a:schemeClr val="accent1"/>
+          </a:fillRef>
+          <a:effectRef idx="0">
+            <a:schemeClr val="accent1"/>
+          </a:effectRef>
+          <a:fontRef idx="minor">
+            <a:schemeClr val="lt1"/>
+          </a:fontRef>
+        </p:style>
+        <p:txBody>
+          <a:bodyPr rot="0" spcFirstLastPara="0" vertOverflow="overflow" horzOverflow="overflow" vert="horz" wrap="square" lIns="36000" tIns="36000" rIns="36000" bIns="36000" numCol="1" spcCol="0" rtlCol="0" fromWordArt="0" anchor="ctr" anchorCtr="0" forceAA="0" compatLnSpc="1">
+            <a:prstTxWarp prst="textNoShape">
+              <a:avLst/>
+            </a:prstTxWarp>
+            <a:noAutofit/>
+          </a:bodyPr>
+          <a:lstStyle/>
+          <a:p>
+            <a:pPr algn="ctr">
+              <a:lnSpc>
+                <a:spcPct val="90000"/>
+              </a:lnSpc>
+            </a:pPr>
+            <a:r>
+              <a:rPr lang="en-US" sz="1600" u="sng" dirty="0" smtClean="0">
+                <a:solidFill>
+                  <a:schemeClr val="tx1"/>
+                </a:solidFill>
+              </a:rPr>
+              <a:t>log-id: String</a:t>
+            </a:r>
+          </a:p>
+        </p:txBody>
+      </p:sp>
+      <p:sp>
+        <p:nvSpPr>
+          <p:cNvPr id="35" name="Rectangle 34"/>
+          <p:cNvSpPr/>
+          <p:nvPr/>
+        </p:nvSpPr>
+        <p:spPr>
+          <a:xfrm>
+            <a:off x="3608832" y="2609088"/>
+            <a:ext cx="1920240" cy="365760"/>
+          </a:xfrm>
+          <a:prstGeom prst="rect">
+            <a:avLst/>
+          </a:prstGeom>
+          <a:noFill/>
+          <a:ln w="25400">
+            <a:solidFill>
+              <a:schemeClr val="tx1"/>
+            </a:solidFill>
+          </a:ln>
+        </p:spPr>
+        <p:style>
+          <a:lnRef idx="2">
+            <a:schemeClr val="accent1">
+              <a:shade val="50000"/>
+            </a:schemeClr>
+          </a:lnRef>
+          <a:fillRef idx="1">
+            <a:schemeClr val="accent1"/>
+          </a:fillRef>
+          <a:effectRef idx="0">
+            <a:schemeClr val="accent1"/>
+          </a:effectRef>
+          <a:fontRef idx="minor">
+            <a:schemeClr val="lt1"/>
+          </a:fontRef>
+        </p:style>
+        <p:txBody>
+          <a:bodyPr rot="0" spcFirstLastPara="0" vertOverflow="overflow" horzOverflow="overflow" vert="horz" wrap="square" lIns="36000" tIns="36000" rIns="36000" bIns="36000" numCol="1" spcCol="0" rtlCol="0" fromWordArt="0" anchor="ctr" anchorCtr="0" forceAA="0" compatLnSpc="1">
+            <a:prstTxWarp prst="textNoShape">
+              <a:avLst/>
+            </a:prstTxWarp>
+            <a:noAutofit/>
+          </a:bodyPr>
+          <a:lstStyle/>
+          <a:p>
+            <a:pPr algn="ctr">
+              <a:lnSpc>
+                <a:spcPct val="90000"/>
+              </a:lnSpc>
+            </a:pPr>
+            <a:r>
+              <a:rPr lang="en-US" sz="1600" dirty="0" smtClean="0">
+                <a:solidFill>
+                  <a:schemeClr val="tx1"/>
+                </a:solidFill>
+              </a:rPr>
+              <a:t>log-line: String</a:t>
+            </a:r>
+          </a:p>
+        </p:txBody>
+      </p:sp>
+      <p:sp>
+        <p:nvSpPr>
+          <p:cNvPr id="36" name="Rectangle 35"/>
+          <p:cNvSpPr/>
+          <p:nvPr/>
+        </p:nvSpPr>
+        <p:spPr>
+          <a:xfrm>
+            <a:off x="6513576" y="219456"/>
+            <a:ext cx="1920240" cy="365760"/>
+          </a:xfrm>
+          <a:prstGeom prst="rect">
+            <a:avLst/>
+          </a:prstGeom>
+          <a:noFill/>
+          <a:ln w="25400">
+            <a:solidFill>
+              <a:schemeClr val="tx1"/>
+            </a:solidFill>
+          </a:ln>
+        </p:spPr>
+        <p:style>
+          <a:lnRef idx="2">
+            <a:schemeClr val="accent1">
+              <a:shade val="50000"/>
+            </a:schemeClr>
+          </a:lnRef>
+          <a:fillRef idx="1">
+            <a:schemeClr val="accent1"/>
+          </a:fillRef>
+          <a:effectRef idx="0">
+            <a:schemeClr val="accent1"/>
+          </a:effectRef>
+          <a:fontRef idx="minor">
+            <a:schemeClr val="lt1"/>
+          </a:fontRef>
+        </p:style>
+        <p:txBody>
+          <a:bodyPr rot="0" spcFirstLastPara="0" vertOverflow="overflow" horzOverflow="overflow" vert="horz" wrap="square" lIns="36000" tIns="36000" rIns="36000" bIns="36000" numCol="1" spcCol="0" rtlCol="0" fromWordArt="0" anchor="ctr" anchorCtr="0" forceAA="0" compatLnSpc="1">
+            <a:prstTxWarp prst="textNoShape">
+              <a:avLst/>
+            </a:prstTxWarp>
+            <a:noAutofit/>
+          </a:bodyPr>
+          <a:lstStyle/>
+          <a:p>
+            <a:pPr algn="ctr">
+              <a:lnSpc>
+                <a:spcPct val="90000"/>
+              </a:lnSpc>
+            </a:pPr>
+            <a:r>
+              <a:rPr lang="en-US" sz="1600" dirty="0" smtClean="0">
+                <a:solidFill>
+                  <a:schemeClr val="tx1"/>
+                </a:solidFill>
+              </a:rPr>
+              <a:t>/alerts-rule/</a:t>
+            </a:r>
+          </a:p>
+        </p:txBody>
+      </p:sp>
+      <p:sp>
+        <p:nvSpPr>
+          <p:cNvPr id="37" name="Rectangle 36"/>
+          <p:cNvSpPr/>
+          <p:nvPr/>
+        </p:nvSpPr>
+        <p:spPr>
+          <a:xfrm>
+            <a:off x="6513576" y="585216"/>
+            <a:ext cx="1920240" cy="365760"/>
+          </a:xfrm>
+          <a:prstGeom prst="rect">
+            <a:avLst/>
+          </a:prstGeom>
+          <a:noFill/>
+          <a:ln w="25400">
+            <a:solidFill>
+              <a:schemeClr val="tx1"/>
+            </a:solidFill>
+          </a:ln>
+        </p:spPr>
+        <p:style>
+          <a:lnRef idx="2">
+            <a:schemeClr val="accent1">
+              <a:shade val="50000"/>
+            </a:schemeClr>
+          </a:lnRef>
+          <a:fillRef idx="1">
+            <a:schemeClr val="accent1"/>
+          </a:fillRef>
+          <a:effectRef idx="0">
+            <a:schemeClr val="accent1"/>
+          </a:effectRef>
+          <a:fontRef idx="minor">
+            <a:schemeClr val="lt1"/>
+          </a:fontRef>
+        </p:style>
+        <p:txBody>
+          <a:bodyPr rot="0" spcFirstLastPara="0" vertOverflow="overflow" horzOverflow="overflow" vert="horz" wrap="square" lIns="36000" tIns="36000" rIns="36000" bIns="36000" numCol="1" spcCol="0" rtlCol="0" fromWordArt="0" anchor="ctr" anchorCtr="0" forceAA="0" compatLnSpc="1">
+            <a:prstTxWarp prst="textNoShape">
+              <a:avLst/>
+            </a:prstTxWarp>
+            <a:noAutofit/>
+          </a:bodyPr>
+          <a:lstStyle/>
+          <a:p>
+            <a:pPr algn="ctr">
+              <a:lnSpc>
+                <a:spcPct val="90000"/>
+              </a:lnSpc>
+            </a:pPr>
+            <a:r>
+              <a:rPr lang="en-US" sz="1600" u="sng" dirty="0" smtClean="0">
+                <a:solidFill>
+                  <a:schemeClr val="tx1"/>
+                </a:solidFill>
+              </a:rPr>
+              <a:t>alert-rule-id: String</a:t>
+            </a:r>
+          </a:p>
+        </p:txBody>
+      </p:sp>
+      <p:sp>
+        <p:nvSpPr>
+          <p:cNvPr id="38" name="Rectangle 37"/>
+          <p:cNvSpPr/>
+          <p:nvPr/>
+        </p:nvSpPr>
+        <p:spPr>
+          <a:xfrm>
+            <a:off x="6513576" y="950976"/>
+            <a:ext cx="1920240" cy="365760"/>
+          </a:xfrm>
+          <a:prstGeom prst="rect">
+            <a:avLst/>
+          </a:prstGeom>
+          <a:noFill/>
+          <a:ln w="25400">
+            <a:solidFill>
+              <a:schemeClr val="tx1"/>
+            </a:solidFill>
+          </a:ln>
+        </p:spPr>
+        <p:style>
+          <a:lnRef idx="2">
+            <a:schemeClr val="accent1">
+              <a:shade val="50000"/>
+            </a:schemeClr>
+          </a:lnRef>
+          <a:fillRef idx="1">
+            <a:schemeClr val="accent1"/>
+          </a:fillRef>
+          <a:effectRef idx="0">
+            <a:schemeClr val="accent1"/>
+          </a:effectRef>
+          <a:fontRef idx="minor">
+            <a:schemeClr val="lt1"/>
+          </a:fontRef>
+        </p:style>
+        <p:txBody>
+          <a:bodyPr rot="0" spcFirstLastPara="0" vertOverflow="overflow" horzOverflow="overflow" vert="horz" wrap="square" lIns="36000" tIns="36000" rIns="36000" bIns="36000" numCol="1" spcCol="0" rtlCol="0" fromWordArt="0" anchor="ctr" anchorCtr="0" forceAA="0" compatLnSpc="1">
+            <a:prstTxWarp prst="textNoShape">
+              <a:avLst/>
+            </a:prstTxWarp>
+            <a:noAutofit/>
+          </a:bodyPr>
+          <a:lstStyle/>
+          <a:p>
+            <a:pPr algn="ctr">
+              <a:lnSpc>
+                <a:spcPct val="90000"/>
+              </a:lnSpc>
+            </a:pPr>
+            <a:r>
+              <a:rPr lang="en-US" sz="1600" dirty="0" smtClean="0">
+                <a:solidFill>
+                  <a:schemeClr val="tx1"/>
+                </a:solidFill>
+              </a:rPr>
+              <a:t>rule: String</a:t>
+            </a:r>
+          </a:p>
+        </p:txBody>
+      </p:sp>
+      <p:cxnSp>
+        <p:nvCxnSpPr>
+          <p:cNvPr id="40" name="Straight Connector 39"/>
+          <p:cNvCxnSpPr>
+            <a:stCxn id="28" idx="3"/>
+            <a:endCxn id="31" idx="1"/>
+          </p:cNvCxnSpPr>
+          <p:nvPr/>
+        </p:nvCxnSpPr>
+        <p:spPr>
+          <a:xfrm flipV="1">
+            <a:off x="2432304" y="1045464"/>
+            <a:ext cx="1176528" cy="1969008"/>
+          </a:xfrm>
+          <a:prstGeom prst="curvedConnector3">
+            <a:avLst>
+              <a:gd name="adj1" fmla="val 50000"/>
+            </a:avLst>
+          </a:prstGeom>
+          <a:ln w="19050">
+            <a:solidFill>
+              <a:schemeClr val="tx1"/>
+            </a:solidFill>
+          </a:ln>
+        </p:spPr>
+        <p:style>
+          <a:lnRef idx="1">
+            <a:schemeClr val="accent1"/>
+          </a:lnRef>
+          <a:fillRef idx="0">
+            <a:schemeClr val="accent1"/>
+          </a:fillRef>
+          <a:effectRef idx="0">
+            <a:schemeClr val="accent1"/>
+          </a:effectRef>
+          <a:fontRef idx="minor">
+            <a:schemeClr val="tx1"/>
+          </a:fontRef>
+        </p:style>
+      </p:cxnSp>
+      <p:cxnSp>
+        <p:nvCxnSpPr>
+          <p:cNvPr id="43" name="Straight Connector 39"/>
+          <p:cNvCxnSpPr>
+            <a:stCxn id="28" idx="3"/>
+            <a:endCxn id="34" idx="1"/>
+          </p:cNvCxnSpPr>
+          <p:nvPr/>
+        </p:nvCxnSpPr>
+        <p:spPr>
+          <a:xfrm flipV="1">
+            <a:off x="2432304" y="2426208"/>
+            <a:ext cx="1176528" cy="588264"/>
+          </a:xfrm>
+          <a:prstGeom prst="curvedConnector3">
+            <a:avLst>
+              <a:gd name="adj1" fmla="val 50000"/>
+            </a:avLst>
+          </a:prstGeom>
+          <a:ln w="19050">
+            <a:solidFill>
+              <a:schemeClr val="tx1"/>
+            </a:solidFill>
+          </a:ln>
+        </p:spPr>
+        <p:style>
+          <a:lnRef idx="1">
+            <a:schemeClr val="accent1"/>
+          </a:lnRef>
+          <a:fillRef idx="0">
+            <a:schemeClr val="accent1"/>
+          </a:fillRef>
+          <a:effectRef idx="0">
+            <a:schemeClr val="accent1"/>
+          </a:effectRef>
+          <a:fontRef idx="minor">
+            <a:schemeClr val="tx1"/>
+          </a:fontRef>
+        </p:style>
+      </p:cxnSp>
+      <p:cxnSp>
+        <p:nvCxnSpPr>
+          <p:cNvPr id="46" name="Straight Connector 39"/>
+          <p:cNvCxnSpPr>
+            <a:stCxn id="31" idx="3"/>
+            <a:endCxn id="37" idx="1"/>
+          </p:cNvCxnSpPr>
+          <p:nvPr/>
+        </p:nvCxnSpPr>
+        <p:spPr>
+          <a:xfrm flipV="1">
+            <a:off x="5529072" y="768096"/>
+            <a:ext cx="984504" cy="277368"/>
+          </a:xfrm>
+          <a:prstGeom prst="curvedConnector3">
+            <a:avLst>
+              <a:gd name="adj1" fmla="val 50000"/>
+            </a:avLst>
+          </a:prstGeom>
+          <a:ln w="19050">
+            <a:solidFill>
+              <a:schemeClr val="tx1"/>
+            </a:solidFill>
+          </a:ln>
+        </p:spPr>
+        <p:style>
+          <a:lnRef idx="1">
+            <a:schemeClr val="accent1"/>
+          </a:lnRef>
+          <a:fillRef idx="0">
+            <a:schemeClr val="accent1"/>
+          </a:fillRef>
+          <a:effectRef idx="0">
+            <a:schemeClr val="accent1"/>
+          </a:effectRef>
+          <a:fontRef idx="minor">
+            <a:schemeClr val="tx1"/>
+          </a:fontRef>
+        </p:style>
+      </p:cxnSp>
+      <p:sp>
+        <p:nvSpPr>
+          <p:cNvPr id="57" name="Rectangle 56"/>
+          <p:cNvSpPr/>
+          <p:nvPr/>
+        </p:nvSpPr>
+        <p:spPr>
+          <a:xfrm>
+            <a:off x="3608832" y="3371088"/>
+            <a:ext cx="1920240" cy="365760"/>
+          </a:xfrm>
+          <a:prstGeom prst="rect">
+            <a:avLst/>
+          </a:prstGeom>
+          <a:noFill/>
+          <a:ln w="25400">
+            <a:solidFill>
+              <a:schemeClr val="tx1"/>
+            </a:solidFill>
+          </a:ln>
+        </p:spPr>
+        <p:style>
+          <a:lnRef idx="2">
+            <a:schemeClr val="accent1">
+              <a:shade val="50000"/>
+            </a:schemeClr>
+          </a:lnRef>
+          <a:fillRef idx="1">
+            <a:schemeClr val="accent1"/>
+          </a:fillRef>
+          <a:effectRef idx="0">
+            <a:schemeClr val="accent1"/>
+          </a:effectRef>
+          <a:fontRef idx="minor">
+            <a:schemeClr val="lt1"/>
+          </a:fontRef>
+        </p:style>
+        <p:txBody>
+          <a:bodyPr rot="0" spcFirstLastPara="0" vertOverflow="overflow" horzOverflow="overflow" vert="horz" wrap="square" lIns="36000" tIns="36000" rIns="36000" bIns="36000" numCol="1" spcCol="0" rtlCol="0" fromWordArt="0" anchor="ctr" anchorCtr="0" forceAA="0" compatLnSpc="1">
+            <a:prstTxWarp prst="textNoShape">
+              <a:avLst/>
+            </a:prstTxWarp>
+            <a:noAutofit/>
+          </a:bodyPr>
+          <a:lstStyle/>
+          <a:p>
+            <a:pPr algn="ctr">
+              <a:lnSpc>
+                <a:spcPct val="90000"/>
+              </a:lnSpc>
+            </a:pPr>
+            <a:r>
+              <a:rPr lang="en-US" sz="1600" dirty="0" smtClean="0">
+                <a:solidFill>
+                  <a:schemeClr val="tx1"/>
+                </a:solidFill>
+              </a:rPr>
+              <a:t>/actions/</a:t>
+            </a:r>
+          </a:p>
+        </p:txBody>
+      </p:sp>
+      <p:sp>
+        <p:nvSpPr>
+          <p:cNvPr id="58" name="Rectangle 57"/>
+          <p:cNvSpPr/>
+          <p:nvPr/>
+        </p:nvSpPr>
+        <p:spPr>
+          <a:xfrm>
+            <a:off x="3608832" y="3736848"/>
+            <a:ext cx="1920240" cy="365760"/>
+          </a:xfrm>
+          <a:prstGeom prst="rect">
+            <a:avLst/>
+          </a:prstGeom>
+          <a:noFill/>
+          <a:ln w="25400">
+            <a:solidFill>
+              <a:schemeClr val="tx1"/>
+            </a:solidFill>
+          </a:ln>
+        </p:spPr>
+        <p:style>
+          <a:lnRef idx="2">
+            <a:schemeClr val="accent1">
+              <a:shade val="50000"/>
+            </a:schemeClr>
+          </a:lnRef>
+          <a:fillRef idx="1">
+            <a:schemeClr val="accent1"/>
+          </a:fillRef>
+          <a:effectRef idx="0">
+            <a:schemeClr val="accent1"/>
+          </a:effectRef>
+          <a:fontRef idx="minor">
+            <a:schemeClr val="lt1"/>
+          </a:fontRef>
+        </p:style>
+        <p:txBody>
+          <a:bodyPr rot="0" spcFirstLastPara="0" vertOverflow="overflow" horzOverflow="overflow" vert="horz" wrap="square" lIns="36000" tIns="36000" rIns="36000" bIns="36000" numCol="1" spcCol="0" rtlCol="0" fromWordArt="0" anchor="ctr" anchorCtr="0" forceAA="0" compatLnSpc="1">
+            <a:prstTxWarp prst="textNoShape">
+              <a:avLst/>
+            </a:prstTxWarp>
+            <a:noAutofit/>
+          </a:bodyPr>
+          <a:lstStyle/>
+          <a:p>
+            <a:pPr algn="ctr">
+              <a:lnSpc>
+                <a:spcPct val="90000"/>
+              </a:lnSpc>
+            </a:pPr>
+            <a:r>
+              <a:rPr lang="en-US" sz="1600" u="sng" dirty="0" smtClean="0">
+                <a:solidFill>
+                  <a:schemeClr val="tx1"/>
+                </a:solidFill>
+              </a:rPr>
+              <a:t>action-id: String</a:t>
+            </a:r>
+          </a:p>
+        </p:txBody>
+      </p:sp>
+      <p:sp>
+        <p:nvSpPr>
+          <p:cNvPr id="59" name="Rectangle 58"/>
+          <p:cNvSpPr/>
+          <p:nvPr/>
+        </p:nvSpPr>
+        <p:spPr>
+          <a:xfrm>
+            <a:off x="3608832" y="4102608"/>
+            <a:ext cx="1920240" cy="365760"/>
+          </a:xfrm>
+          <a:prstGeom prst="rect">
+            <a:avLst/>
+          </a:prstGeom>
+          <a:noFill/>
+          <a:ln w="25400">
+            <a:solidFill>
+              <a:schemeClr val="tx1"/>
+            </a:solidFill>
+          </a:ln>
+        </p:spPr>
+        <p:style>
+          <a:lnRef idx="2">
+            <a:schemeClr val="accent1">
+              <a:shade val="50000"/>
+            </a:schemeClr>
+          </a:lnRef>
+          <a:fillRef idx="1">
+            <a:schemeClr val="accent1"/>
+          </a:fillRef>
+          <a:effectRef idx="0">
+            <a:schemeClr val="accent1"/>
+          </a:effectRef>
+          <a:fontRef idx="minor">
+            <a:schemeClr val="lt1"/>
+          </a:fontRef>
+        </p:style>
+        <p:txBody>
+          <a:bodyPr rot="0" spcFirstLastPara="0" vertOverflow="overflow" horzOverflow="overflow" vert="horz" wrap="square" lIns="36000" tIns="36000" rIns="36000" bIns="36000" numCol="1" spcCol="0" rtlCol="0" fromWordArt="0" anchor="ctr" anchorCtr="0" forceAA="0" compatLnSpc="1">
+            <a:prstTxWarp prst="textNoShape">
+              <a:avLst/>
+            </a:prstTxWarp>
+            <a:noAutofit/>
+          </a:bodyPr>
+          <a:lstStyle/>
+          <a:p>
+            <a:pPr algn="ctr">
+              <a:lnSpc>
+                <a:spcPct val="90000"/>
+              </a:lnSpc>
+            </a:pPr>
+            <a:r>
+              <a:rPr lang="en-US" sz="1600" dirty="0" smtClean="0">
+                <a:solidFill>
+                  <a:schemeClr val="tx1"/>
+                </a:solidFill>
+              </a:rPr>
+              <a:t>action: Object</a:t>
+            </a:r>
+          </a:p>
+        </p:txBody>
+      </p:sp>
+      <p:sp>
+        <p:nvSpPr>
+          <p:cNvPr id="60" name="Rectangle 59"/>
+          <p:cNvSpPr/>
+          <p:nvPr/>
+        </p:nvSpPr>
+        <p:spPr>
+          <a:xfrm>
+            <a:off x="6513576" y="1322832"/>
+            <a:ext cx="1920240" cy="365760"/>
+          </a:xfrm>
+          <a:prstGeom prst="rect">
+            <a:avLst/>
+          </a:prstGeom>
+          <a:noFill/>
+          <a:ln w="25400">
+            <a:solidFill>
+              <a:schemeClr val="tx1"/>
+            </a:solidFill>
+          </a:ln>
+        </p:spPr>
+        <p:style>
+          <a:lnRef idx="2">
+            <a:schemeClr val="accent1">
+              <a:shade val="50000"/>
+            </a:schemeClr>
+          </a:lnRef>
+          <a:fillRef idx="1">
+            <a:schemeClr val="accent1"/>
+          </a:fillRef>
+          <a:effectRef idx="0">
+            <a:schemeClr val="accent1"/>
+          </a:effectRef>
+          <a:fontRef idx="minor">
+            <a:schemeClr val="lt1"/>
+          </a:fontRef>
+        </p:style>
+        <p:txBody>
+          <a:bodyPr rot="0" spcFirstLastPara="0" vertOverflow="overflow" horzOverflow="overflow" vert="horz" wrap="square" lIns="36000" tIns="36000" rIns="36000" bIns="36000" numCol="1" spcCol="0" rtlCol="0" fromWordArt="0" anchor="ctr" anchorCtr="0" forceAA="0" compatLnSpc="1">
+            <a:prstTxWarp prst="textNoShape">
+              <a:avLst/>
+            </a:prstTxWarp>
+            <a:noAutofit/>
+          </a:bodyPr>
+          <a:lstStyle/>
+          <a:p>
+            <a:pPr algn="ctr">
+              <a:lnSpc>
+                <a:spcPct val="90000"/>
+              </a:lnSpc>
+            </a:pPr>
+            <a:r>
+              <a:rPr lang="en-US" sz="1600" dirty="0" smtClean="0">
+                <a:solidFill>
+                  <a:schemeClr val="tx1"/>
+                </a:solidFill>
+              </a:rPr>
+              <a:t>action-id: String</a:t>
+            </a:r>
+          </a:p>
+        </p:txBody>
+      </p:sp>
+      <p:sp>
+        <p:nvSpPr>
+          <p:cNvPr id="62" name="Rectangle 61"/>
+          <p:cNvSpPr/>
+          <p:nvPr/>
+        </p:nvSpPr>
+        <p:spPr>
+          <a:xfrm>
+            <a:off x="9860280" y="344424"/>
+            <a:ext cx="1920240" cy="365760"/>
+          </a:xfrm>
+          <a:prstGeom prst="rect">
+            <a:avLst/>
+          </a:prstGeom>
+          <a:noFill/>
+          <a:ln w="25400">
+            <a:solidFill>
+              <a:schemeClr val="tx1"/>
+            </a:solidFill>
+          </a:ln>
+        </p:spPr>
+        <p:style>
+          <a:lnRef idx="2">
+            <a:schemeClr val="accent1">
+              <a:shade val="50000"/>
+            </a:schemeClr>
+          </a:lnRef>
+          <a:fillRef idx="1">
+            <a:schemeClr val="accent1"/>
+          </a:fillRef>
+          <a:effectRef idx="0">
+            <a:schemeClr val="accent1"/>
+          </a:effectRef>
+          <a:fontRef idx="minor">
+            <a:schemeClr val="lt1"/>
+          </a:fontRef>
+        </p:style>
+        <p:txBody>
+          <a:bodyPr rot="0" spcFirstLastPara="0" vertOverflow="overflow" horzOverflow="overflow" vert="horz" wrap="square" lIns="36000" tIns="36000" rIns="36000" bIns="36000" numCol="1" spcCol="0" rtlCol="0" fromWordArt="0" anchor="ctr" anchorCtr="0" forceAA="0" compatLnSpc="1">
+            <a:prstTxWarp prst="textNoShape">
+              <a:avLst/>
+            </a:prstTxWarp>
+            <a:noAutofit/>
+          </a:bodyPr>
+          <a:lstStyle/>
+          <a:p>
+            <a:pPr algn="ctr">
+              <a:lnSpc>
+                <a:spcPct val="90000"/>
+              </a:lnSpc>
+            </a:pPr>
+            <a:r>
+              <a:rPr lang="en-US" sz="1600" dirty="0" smtClean="0">
+                <a:solidFill>
+                  <a:schemeClr val="tx1"/>
+                </a:solidFill>
+              </a:rPr>
+              <a:t>/past-alerts/</a:t>
+            </a:r>
+          </a:p>
+        </p:txBody>
+      </p:sp>
+      <p:sp>
+        <p:nvSpPr>
+          <p:cNvPr id="63" name="Rectangle 62"/>
+          <p:cNvSpPr/>
+          <p:nvPr/>
+        </p:nvSpPr>
+        <p:spPr>
+          <a:xfrm>
+            <a:off x="9860280" y="710184"/>
+            <a:ext cx="1920240" cy="365760"/>
+          </a:xfrm>
+          <a:prstGeom prst="rect">
+            <a:avLst/>
+          </a:prstGeom>
+          <a:noFill/>
+          <a:ln w="25400">
+            <a:solidFill>
+              <a:schemeClr val="tx1"/>
+            </a:solidFill>
+          </a:ln>
+        </p:spPr>
+        <p:style>
+          <a:lnRef idx="2">
+            <a:schemeClr val="accent1">
+              <a:shade val="50000"/>
+            </a:schemeClr>
+          </a:lnRef>
+          <a:fillRef idx="1">
+            <a:schemeClr val="accent1"/>
+          </a:fillRef>
+          <a:effectRef idx="0">
+            <a:schemeClr val="accent1"/>
+          </a:effectRef>
+          <a:fontRef idx="minor">
+            <a:schemeClr val="lt1"/>
+          </a:fontRef>
+        </p:style>
+        <p:txBody>
+          <a:bodyPr rot="0" spcFirstLastPara="0" vertOverflow="overflow" horzOverflow="overflow" vert="horz" wrap="square" lIns="36000" tIns="36000" rIns="36000" bIns="36000" numCol="1" spcCol="0" rtlCol="0" fromWordArt="0" anchor="ctr" anchorCtr="0" forceAA="0" compatLnSpc="1">
+            <a:prstTxWarp prst="textNoShape">
+              <a:avLst/>
+            </a:prstTxWarp>
+            <a:noAutofit/>
+          </a:bodyPr>
+          <a:lstStyle/>
+          <a:p>
+            <a:pPr algn="ctr">
+              <a:lnSpc>
+                <a:spcPct val="90000"/>
+              </a:lnSpc>
+            </a:pPr>
+            <a:r>
+              <a:rPr lang="en-US" sz="1600" u="sng" dirty="0" smtClean="0">
+                <a:solidFill>
+                  <a:schemeClr val="tx1"/>
+                </a:solidFill>
+              </a:rPr>
+              <a:t>timestamp: </a:t>
+            </a:r>
+            <a:r>
+              <a:rPr lang="en-US" sz="1600" u="sng" dirty="0" err="1" smtClean="0">
+                <a:solidFill>
+                  <a:schemeClr val="tx1"/>
+                </a:solidFill>
+              </a:rPr>
+              <a:t>Int</a:t>
+            </a:r>
+            <a:endParaRPr lang="en-US" sz="1600" u="sng" dirty="0" smtClean="0">
+              <a:solidFill>
+                <a:schemeClr val="tx1"/>
+              </a:solidFill>
+            </a:endParaRPr>
+          </a:p>
+        </p:txBody>
+      </p:sp>
+      <p:cxnSp>
+        <p:nvCxnSpPr>
+          <p:cNvPr id="69" name="Straight Connector 39"/>
+          <p:cNvCxnSpPr>
+            <a:stCxn id="37" idx="3"/>
+            <a:endCxn id="63" idx="1"/>
+          </p:cNvCxnSpPr>
+          <p:nvPr/>
+        </p:nvCxnSpPr>
+        <p:spPr>
+          <a:xfrm>
+            <a:off x="8433816" y="768096"/>
+            <a:ext cx="1426464" cy="124968"/>
+          </a:xfrm>
+          <a:prstGeom prst="curvedConnector3">
+            <a:avLst>
+              <a:gd name="adj1" fmla="val 50000"/>
+            </a:avLst>
+          </a:prstGeom>
+          <a:ln w="19050">
+            <a:solidFill>
+              <a:schemeClr val="tx1"/>
+            </a:solidFill>
+          </a:ln>
+        </p:spPr>
+        <p:style>
+          <a:lnRef idx="1">
+            <a:schemeClr val="accent1"/>
+          </a:lnRef>
+          <a:fillRef idx="0">
+            <a:schemeClr val="accent1"/>
+          </a:fillRef>
+          <a:effectRef idx="0">
+            <a:schemeClr val="accent1"/>
+          </a:effectRef>
+          <a:fontRef idx="minor">
+            <a:schemeClr val="tx1"/>
+          </a:fontRef>
+        </p:style>
+      </p:cxnSp>
+      <p:cxnSp>
+        <p:nvCxnSpPr>
+          <p:cNvPr id="73" name="Straight Connector 39"/>
+          <p:cNvCxnSpPr>
+            <a:stCxn id="28" idx="3"/>
+            <a:endCxn id="58" idx="1"/>
+          </p:cNvCxnSpPr>
+          <p:nvPr/>
+        </p:nvCxnSpPr>
+        <p:spPr>
+          <a:xfrm>
+            <a:off x="2432304" y="3014472"/>
+            <a:ext cx="1176528" cy="905256"/>
+          </a:xfrm>
+          <a:prstGeom prst="curvedConnector3">
+            <a:avLst>
+              <a:gd name="adj1" fmla="val 50000"/>
+            </a:avLst>
+          </a:prstGeom>
+          <a:ln w="19050">
+            <a:solidFill>
+              <a:schemeClr val="tx1"/>
+            </a:solidFill>
+          </a:ln>
+        </p:spPr>
+        <p:style>
+          <a:lnRef idx="1">
+            <a:schemeClr val="accent1"/>
+          </a:lnRef>
+          <a:fillRef idx="0">
+            <a:schemeClr val="accent1"/>
+          </a:fillRef>
+          <a:effectRef idx="0">
+            <a:schemeClr val="accent1"/>
+          </a:effectRef>
+          <a:fontRef idx="minor">
+            <a:schemeClr val="tx1"/>
+          </a:fontRef>
+        </p:style>
+      </p:cxnSp>
+      <p:sp>
+        <p:nvSpPr>
+          <p:cNvPr id="77" name="Rounded Rectangle 76"/>
+          <p:cNvSpPr/>
+          <p:nvPr/>
+        </p:nvSpPr>
+        <p:spPr>
+          <a:xfrm>
+            <a:off x="9348216" y="1338072"/>
+            <a:ext cx="2621280" cy="722376"/>
+          </a:xfrm>
+          <a:prstGeom prst="roundRect">
+            <a:avLst/>
+          </a:prstGeom>
+          <a:noFill/>
+          <a:ln w="25400">
+            <a:solidFill>
+              <a:schemeClr val="tx1"/>
+            </a:solidFill>
+            <a:prstDash val="dash"/>
+          </a:ln>
+        </p:spPr>
+        <p:style>
+          <a:lnRef idx="2">
+            <a:schemeClr val="accent1">
+              <a:shade val="50000"/>
+            </a:schemeClr>
+          </a:lnRef>
+          <a:fillRef idx="1">
+            <a:schemeClr val="accent1"/>
+          </a:fillRef>
+          <a:effectRef idx="0">
+            <a:schemeClr val="accent1"/>
+          </a:effectRef>
+          <a:fontRef idx="minor">
+            <a:schemeClr val="lt1"/>
+          </a:fontRef>
+        </p:style>
+        <p:txBody>
+          <a:bodyPr rot="0" spcFirstLastPara="0" vertOverflow="overflow" horzOverflow="overflow" vert="horz" wrap="square" lIns="36000" tIns="36000" rIns="36000" bIns="36000" numCol="1" spcCol="0" rtlCol="0" fromWordArt="0" anchor="ctr" anchorCtr="0" forceAA="0" compatLnSpc="1">
+            <a:prstTxWarp prst="textNoShape">
+              <a:avLst/>
+            </a:prstTxWarp>
+            <a:noAutofit/>
+          </a:bodyPr>
+          <a:lstStyle/>
+          <a:p>
+            <a:pPr algn="ctr">
+              <a:lnSpc>
+                <a:spcPct val="90000"/>
+              </a:lnSpc>
+            </a:pPr>
+            <a:r>
+              <a:rPr lang="en-US" sz="1600" dirty="0" smtClean="0">
+                <a:solidFill>
+                  <a:schemeClr val="tx1"/>
+                </a:solidFill>
+              </a:rPr>
+              <a:t>These are created automatically when alert rules are triggered</a:t>
+            </a:r>
+            <a:endParaRPr lang="nl-NL" sz="1600" dirty="0" smtClean="0">
+              <a:solidFill>
+                <a:schemeClr val="tx1"/>
+              </a:solidFill>
+            </a:endParaRPr>
+          </a:p>
+        </p:txBody>
+      </p:sp>
+    </p:spTree>
+    <p:extLst>
+      <p:ext uri="{BB962C8B-B14F-4D97-AF65-F5344CB8AC3E}">
+        <p14:creationId xmlns:p14="http://schemas.microsoft.com/office/powerpoint/2010/main" val="1104345850"/>
+      </p:ext>
+    </p:extLst>
+  </p:cSld>
+  <p:clrMapOvr>
+    <a:masterClrMapping/>
+  </p:clrMapOvr>
+</p:sld>
+</file>
+
+<file path=ppt/slides/slide11.xml><?xml version="1.0" encoding="utf-8"?>
+<p:sld xmlns:a="http://schemas.openxmlformats.org/drawingml/2006/main" xmlns:r="http://schemas.openxmlformats.org/officeDocument/2006/relationships" xmlns:p="http://schemas.openxmlformats.org/presentationml/2006/main">
+  <p:cSld>
+    <p:spTree>
+      <p:nvGrpSpPr>
+        <p:cNvPr id="1" name=""/>
+        <p:cNvGrpSpPr/>
+        <p:nvPr/>
+      </p:nvGrpSpPr>
+      <p:grpSpPr>
+        <a:xfrm>
+          <a:off x="0" y="0"/>
+          <a:ext cx="0" cy="0"/>
+          <a:chOff x="0" y="0"/>
+          <a:chExt cx="0" cy="0"/>
+        </a:xfrm>
+      </p:grpSpPr>
+      <p:sp>
+        <p:nvSpPr>
+          <p:cNvPr id="2" name="Content Placeholder 1"/>
+          <p:cNvSpPr>
+            <a:spLocks noGrp="1"/>
+          </p:cNvSpPr>
+          <p:nvPr>
+            <p:ph idx="1"/>
+          </p:nvPr>
+        </p:nvSpPr>
+        <p:spPr/>
+        <p:txBody>
+          <a:bodyPr/>
+          <a:lstStyle/>
+          <a:p>
+            <a:pPr>
+              <a:lnSpc>
+                <a:spcPct val="90000"/>
+              </a:lnSpc>
+            </a:pPr>
+            <a:r>
+              <a:rPr lang="en-US" dirty="0" smtClean="0"/>
+              <a:t>Initially</a:t>
+            </a:r>
+            <a:r>
+              <a:rPr lang="en-US" dirty="0"/>
+              <a:t>, the only usable action should be doing a POST to a configurable endpoint with configurable </a:t>
+            </a:r>
+            <a:r>
+              <a:rPr lang="en-US" dirty="0" smtClean="0"/>
+              <a:t>data, where certain variables can be used with the $-symbol. For example:</a:t>
+            </a:r>
+          </a:p>
+          <a:p>
+            <a:pPr>
+              <a:lnSpc>
+                <a:spcPct val="90000"/>
+              </a:lnSpc>
+            </a:pPr>
+            <a:endParaRPr lang="en-US" dirty="0" smtClean="0"/>
+          </a:p>
+          <a:p>
+            <a:pPr>
+              <a:lnSpc>
+                <a:spcPct val="90000"/>
+              </a:lnSpc>
+            </a:pPr>
+            <a:r>
+              <a:rPr lang="en-US" dirty="0" smtClean="0"/>
+              <a:t>action </a:t>
+            </a:r>
+            <a:r>
+              <a:rPr lang="en-US" dirty="0"/>
+              <a:t>= </a:t>
+            </a:r>
+            <a:r>
+              <a:rPr lang="en-US" dirty="0" smtClean="0"/>
+              <a:t>{</a:t>
+            </a:r>
+          </a:p>
+          <a:p>
+            <a:pPr>
+              <a:lnSpc>
+                <a:spcPct val="90000"/>
+              </a:lnSpc>
+            </a:pPr>
+            <a:r>
+              <a:rPr lang="en-US" dirty="0"/>
+              <a:t> </a:t>
+            </a:r>
+            <a:r>
+              <a:rPr lang="en-US" dirty="0" smtClean="0"/>
+              <a:t> “</a:t>
+            </a:r>
+            <a:r>
+              <a:rPr lang="en-US" dirty="0"/>
+              <a:t>post-</a:t>
+            </a:r>
+            <a:r>
+              <a:rPr lang="en-US" dirty="0" err="1"/>
+              <a:t>url</a:t>
+            </a:r>
+            <a:r>
+              <a:rPr lang="en-US" dirty="0"/>
+              <a:t>”: </a:t>
+            </a:r>
+            <a:r>
+              <a:rPr lang="en-US" dirty="0">
+                <a:hlinkClick r:id="rId2"/>
+              </a:rPr>
+              <a:t>http://localhost:9999/emailserver</a:t>
+            </a:r>
+            <a:r>
+              <a:rPr lang="en-US" dirty="0"/>
+              <a:t>,</a:t>
+            </a:r>
+            <a:endParaRPr lang="nl-NL" dirty="0"/>
+          </a:p>
+          <a:p>
+            <a:pPr>
+              <a:lnSpc>
+                <a:spcPct val="90000"/>
+              </a:lnSpc>
+            </a:pPr>
+            <a:r>
+              <a:rPr lang="en-US" dirty="0" smtClean="0"/>
+              <a:t>  “</a:t>
+            </a:r>
+            <a:r>
+              <a:rPr lang="en-US" dirty="0"/>
+              <a:t>data”: </a:t>
+            </a:r>
+            <a:r>
+              <a:rPr lang="en-US" dirty="0" smtClean="0"/>
+              <a:t>{</a:t>
+            </a:r>
+          </a:p>
+          <a:p>
+            <a:pPr>
+              <a:lnSpc>
+                <a:spcPct val="90000"/>
+              </a:lnSpc>
+            </a:pPr>
+            <a:r>
+              <a:rPr lang="en-US" dirty="0"/>
+              <a:t> </a:t>
+            </a:r>
+            <a:r>
+              <a:rPr lang="en-US" dirty="0" smtClean="0"/>
+              <a:t>   “</a:t>
+            </a:r>
+            <a:r>
+              <a:rPr lang="en-US" dirty="0"/>
+              <a:t>component”: “$</a:t>
+            </a:r>
+            <a:r>
+              <a:rPr lang="en-US" dirty="0" err="1" smtClean="0"/>
+              <a:t>componentId</a:t>
+            </a:r>
+            <a:r>
+              <a:rPr lang="en-US" dirty="0" smtClean="0"/>
+              <a:t>,</a:t>
+            </a:r>
+          </a:p>
+          <a:p>
+            <a:pPr>
+              <a:lnSpc>
+                <a:spcPct val="90000"/>
+              </a:lnSpc>
+            </a:pPr>
+            <a:r>
+              <a:rPr lang="en-US" dirty="0"/>
+              <a:t> </a:t>
+            </a:r>
+            <a:r>
+              <a:rPr lang="en-US" dirty="0" smtClean="0"/>
+              <a:t>   “message”: “Rule $alert-rule-id breach triggered by log $log-id on component $</a:t>
+            </a:r>
+            <a:r>
+              <a:rPr lang="en-US" dirty="0" err="1" smtClean="0"/>
+              <a:t>componentId</a:t>
+            </a:r>
+            <a:r>
+              <a:rPr lang="en-US" dirty="0" smtClean="0"/>
+              <a:t>”</a:t>
+            </a:r>
+          </a:p>
+          <a:p>
+            <a:pPr>
+              <a:lnSpc>
+                <a:spcPct val="90000"/>
+              </a:lnSpc>
+            </a:pPr>
+            <a:r>
+              <a:rPr lang="en-US" dirty="0"/>
+              <a:t> </a:t>
+            </a:r>
+            <a:r>
+              <a:rPr lang="en-US" dirty="0" smtClean="0"/>
+              <a:t> }</a:t>
+            </a:r>
+          </a:p>
+          <a:p>
+            <a:pPr>
+              <a:lnSpc>
+                <a:spcPct val="90000"/>
+              </a:lnSpc>
+            </a:pPr>
+            <a:r>
+              <a:rPr lang="en-US" dirty="0" smtClean="0"/>
+              <a:t>}</a:t>
+            </a:r>
+            <a:endParaRPr lang="en-US" dirty="0"/>
+          </a:p>
+          <a:p>
+            <a:endParaRPr lang="en-US" dirty="0" smtClean="0"/>
+          </a:p>
+          <a:p>
+            <a:r>
+              <a:rPr lang="en-US" dirty="0" smtClean="0"/>
+              <a:t>All $-variables should be replaced with the respective information. The “data” field of the action-object should be included as payload in the POST that is done to the “post-</a:t>
+            </a:r>
+            <a:r>
+              <a:rPr lang="en-US" dirty="0" err="1" smtClean="0"/>
+              <a:t>url</a:t>
+            </a:r>
+            <a:r>
+              <a:rPr lang="en-US" dirty="0" smtClean="0"/>
+              <a:t>”</a:t>
+            </a:r>
+            <a:endParaRPr lang="nl-NL" dirty="0"/>
+          </a:p>
+        </p:txBody>
+      </p:sp>
+      <p:sp>
+        <p:nvSpPr>
+          <p:cNvPr id="3" name="Title 2"/>
+          <p:cNvSpPr>
+            <a:spLocks noGrp="1"/>
+          </p:cNvSpPr>
+          <p:nvPr>
+            <p:ph type="title"/>
+          </p:nvPr>
+        </p:nvSpPr>
+        <p:spPr/>
+        <p:txBody>
+          <a:bodyPr/>
+          <a:lstStyle/>
+          <a:p>
+            <a:r>
+              <a:rPr lang="en-US" dirty="0" smtClean="0"/>
+              <a:t>Actions</a:t>
+            </a:r>
+            <a:endParaRPr lang="nl-NL" dirty="0"/>
+          </a:p>
+        </p:txBody>
+      </p:sp>
+      <p:sp>
+        <p:nvSpPr>
+          <p:cNvPr id="4" name="Slide Number Placeholder 3"/>
+          <p:cNvSpPr>
+            <a:spLocks noGrp="1"/>
+          </p:cNvSpPr>
+          <p:nvPr>
+            <p:ph type="sldNum" sz="quarter" idx="11"/>
+          </p:nvPr>
+        </p:nvSpPr>
+        <p:spPr/>
+        <p:txBody>
+          <a:bodyPr/>
+          <a:lstStyle/>
+          <a:p>
+            <a:fld id="{DDD2A080-DA64-4F5C-9131-47EB793B4410}" type="slidenum">
+              <a:rPr lang="en-GB" noProof="0" smtClean="0"/>
+              <a:pPr/>
+              <a:t>11</a:t>
             </a:fld>
             <a:endParaRPr lang="en-GB" noProof="0" dirty="0"/>
           </a:p>
@@ -50411,14 +51856,19 @@
             <p:ph type="title"/>
           </p:nvPr>
         </p:nvSpPr>
-        <p:spPr/>
+        <p:spPr>
+          <a:xfrm>
+            <a:off x="845575" y="280733"/>
+            <a:ext cx="7630913" cy="854075"/>
+          </a:xfrm>
+        </p:spPr>
         <p:txBody>
           <a:bodyPr/>
           <a:lstStyle/>
           <a:p>
             <a:r>
               <a:rPr lang="en-US" dirty="0" smtClean="0"/>
-              <a:t>Endpoints</a:t>
+              <a:t>Current situation: 11-05</a:t>
             </a:r>
             <a:endParaRPr lang="nl-NL" dirty="0"/>
           </a:p>
@@ -50456,14 +51906,340 @@
         </p:nvSpPr>
         <p:spPr>
           <a:xfrm>
-            <a:off x="310896" y="2465832"/>
-            <a:ext cx="2121408" cy="365760"/>
+            <a:off x="9037320" y="341030"/>
+            <a:ext cx="2386584" cy="737501"/>
           </a:xfrm>
           <a:prstGeom prst="rect">
             <a:avLst/>
           </a:prstGeom>
           <a:noFill/>
+          <a:ln w="12700" cmpd="sng">
+            <a:solidFill>
+              <a:schemeClr val="tx1"/>
+            </a:solidFill>
+          </a:ln>
+        </p:spPr>
+        <p:style>
+          <a:lnRef idx="2">
+            <a:schemeClr val="accent1">
+              <a:shade val="50000"/>
+            </a:schemeClr>
+          </a:lnRef>
+          <a:fillRef idx="1">
+            <a:schemeClr val="accent1"/>
+          </a:fillRef>
+          <a:effectRef idx="0">
+            <a:schemeClr val="accent1"/>
+          </a:effectRef>
+          <a:fontRef idx="minor">
+            <a:schemeClr val="lt1"/>
+          </a:fontRef>
+        </p:style>
+        <p:txBody>
+          <a:bodyPr rot="0" spcFirstLastPara="0" vertOverflow="overflow" horzOverflow="overflow" vert="horz" wrap="square" lIns="36000" tIns="36000" rIns="36000" bIns="36000" numCol="1" spcCol="0" rtlCol="0" fromWordArt="0" anchor="ctr" anchorCtr="0" forceAA="0" compatLnSpc="1">
+            <a:prstTxWarp prst="textNoShape">
+              <a:avLst/>
+            </a:prstTxWarp>
+            <a:spAutoFit/>
+          </a:bodyPr>
+          <a:lstStyle/>
+          <a:p>
+            <a:pPr algn="ctr">
+              <a:lnSpc>
+                <a:spcPct val="90000"/>
+              </a:lnSpc>
+            </a:pPr>
+            <a:r>
+              <a:rPr lang="en-US" sz="1600" dirty="0" smtClean="0">
+                <a:solidFill>
+                  <a:schemeClr val="tx1"/>
+                </a:solidFill>
+              </a:rPr>
+              <a:t>Server instance for GET operations and registering components</a:t>
+            </a:r>
+            <a:endParaRPr lang="nl-NL" sz="1600" dirty="0" smtClean="0">
+              <a:solidFill>
+                <a:schemeClr val="tx1"/>
+              </a:solidFill>
+            </a:endParaRPr>
+          </a:p>
+        </p:txBody>
+      </p:sp>
+      <p:sp>
+        <p:nvSpPr>
+          <p:cNvPr id="6" name="Rectangle 5"/>
+          <p:cNvSpPr/>
+          <p:nvPr/>
+        </p:nvSpPr>
+        <p:spPr>
+          <a:xfrm>
+            <a:off x="5084806" y="335877"/>
+            <a:ext cx="2386584" cy="737501"/>
+          </a:xfrm>
+          <a:prstGeom prst="rect">
+            <a:avLst/>
+          </a:prstGeom>
+          <a:noFill/>
+          <a:ln w="12700" cmpd="sng">
+            <a:solidFill>
+              <a:schemeClr val="tx1"/>
+            </a:solidFill>
+          </a:ln>
+        </p:spPr>
+        <p:style>
+          <a:lnRef idx="2">
+            <a:schemeClr val="accent1">
+              <a:shade val="50000"/>
+            </a:schemeClr>
+          </a:lnRef>
+          <a:fillRef idx="1">
+            <a:schemeClr val="accent1"/>
+          </a:fillRef>
+          <a:effectRef idx="0">
+            <a:schemeClr val="accent1"/>
+          </a:effectRef>
+          <a:fontRef idx="minor">
+            <a:schemeClr val="lt1"/>
+          </a:fontRef>
+        </p:style>
+        <p:txBody>
+          <a:bodyPr rot="0" spcFirstLastPara="0" vertOverflow="overflow" horzOverflow="overflow" vert="horz" wrap="square" lIns="36000" tIns="36000" rIns="36000" bIns="36000" numCol="1" spcCol="0" rtlCol="0" fromWordArt="0" anchor="ctr" anchorCtr="0" forceAA="0" compatLnSpc="1">
+            <a:prstTxWarp prst="textNoShape">
+              <a:avLst/>
+            </a:prstTxWarp>
+            <a:spAutoFit/>
+          </a:bodyPr>
+          <a:lstStyle/>
+          <a:p>
+            <a:pPr algn="ctr">
+              <a:lnSpc>
+                <a:spcPct val="90000"/>
+              </a:lnSpc>
+            </a:pPr>
+            <a:r>
+              <a:rPr lang="en-US" sz="1600" dirty="0" smtClean="0">
+                <a:solidFill>
+                  <a:schemeClr val="tx1"/>
+                </a:solidFill>
+              </a:rPr>
+              <a:t>Server instance for POST operations for performance metrics</a:t>
+            </a:r>
+            <a:endParaRPr lang="nl-NL" sz="1600" dirty="0" smtClean="0">
+              <a:solidFill>
+                <a:schemeClr val="tx1"/>
+              </a:solidFill>
+            </a:endParaRPr>
+          </a:p>
+        </p:txBody>
+      </p:sp>
+      <p:cxnSp>
+        <p:nvCxnSpPr>
+          <p:cNvPr id="42" name="Straight Arrow Connector 35"/>
+          <p:cNvCxnSpPr>
+            <a:stCxn id="6" idx="2"/>
+          </p:cNvCxnSpPr>
+          <p:nvPr/>
+        </p:nvCxnSpPr>
+        <p:spPr>
+          <a:xfrm rot="5400000">
+            <a:off x="5080498" y="323308"/>
+            <a:ext cx="447530" cy="1947671"/>
+          </a:xfrm>
+          <a:prstGeom prst="curvedConnector3">
+            <a:avLst>
+              <a:gd name="adj1" fmla="val 50000"/>
+            </a:avLst>
+          </a:prstGeom>
           <a:ln w="25400">
+            <a:solidFill>
+              <a:schemeClr val="tx1"/>
+            </a:solidFill>
+            <a:tailEnd type="arrow"/>
+          </a:ln>
+        </p:spPr>
+        <p:style>
+          <a:lnRef idx="1">
+            <a:schemeClr val="accent1"/>
+          </a:lnRef>
+          <a:fillRef idx="0">
+            <a:schemeClr val="accent1"/>
+          </a:fillRef>
+          <a:effectRef idx="0">
+            <a:schemeClr val="accent1"/>
+          </a:effectRef>
+          <a:fontRef idx="minor">
+            <a:schemeClr val="tx1"/>
+          </a:fontRef>
+        </p:style>
+      </p:cxnSp>
+      <p:cxnSp>
+        <p:nvCxnSpPr>
+          <p:cNvPr id="91" name="Straight Arrow Connector 35"/>
+          <p:cNvCxnSpPr>
+            <a:stCxn id="5" idx="2"/>
+            <a:endCxn id="10" idx="3"/>
+          </p:cNvCxnSpPr>
+          <p:nvPr/>
+        </p:nvCxnSpPr>
+        <p:spPr>
+          <a:xfrm rot="5400000">
+            <a:off x="7187770" y="84281"/>
+            <a:ext cx="2048593" cy="4037092"/>
+          </a:xfrm>
+          <a:prstGeom prst="curvedConnector2">
+            <a:avLst/>
+          </a:prstGeom>
+          <a:ln w="25400">
+            <a:solidFill>
+              <a:schemeClr val="tx1"/>
+            </a:solidFill>
+            <a:tailEnd type="arrow"/>
+          </a:ln>
+        </p:spPr>
+        <p:style>
+          <a:lnRef idx="1">
+            <a:schemeClr val="accent1"/>
+          </a:lnRef>
+          <a:fillRef idx="0">
+            <a:schemeClr val="accent1"/>
+          </a:fillRef>
+          <a:effectRef idx="0">
+            <a:schemeClr val="accent1"/>
+          </a:effectRef>
+          <a:fontRef idx="minor">
+            <a:schemeClr val="tx1"/>
+          </a:fontRef>
+        </p:style>
+      </p:cxnSp>
+      <p:sp>
+        <p:nvSpPr>
+          <p:cNvPr id="118" name="TextBox 117"/>
+          <p:cNvSpPr txBox="1"/>
+          <p:nvPr/>
+        </p:nvSpPr>
+        <p:spPr>
+          <a:xfrm>
+            <a:off x="2030200" y="1600102"/>
+            <a:ext cx="1268669" cy="934478"/>
+          </a:xfrm>
+          <a:prstGeom prst="rect">
+            <a:avLst/>
+          </a:prstGeom>
+          <a:noFill/>
+        </p:spPr>
+        <p:txBody>
+          <a:bodyPr wrap="square" lIns="36000" tIns="36000" rIns="36000" bIns="36000" rtlCol="0">
+            <a:spAutoFit/>
+          </a:bodyPr>
+          <a:lstStyle/>
+          <a:p>
+            <a:r>
+              <a:rPr lang="en-US" sz="1400" dirty="0"/>
+              <a:t>Upon receiving log data, send to the right log parser</a:t>
+            </a:r>
+          </a:p>
+        </p:txBody>
+      </p:sp>
+      <p:cxnSp>
+        <p:nvCxnSpPr>
+          <p:cNvPr id="119" name="Straight Arrow Connector 118"/>
+          <p:cNvCxnSpPr>
+            <a:stCxn id="118" idx="3"/>
+          </p:cNvCxnSpPr>
+          <p:nvPr/>
+        </p:nvCxnSpPr>
+        <p:spPr>
+          <a:xfrm flipV="1">
+            <a:off x="3298869" y="1941532"/>
+            <a:ext cx="473012" cy="125809"/>
+          </a:xfrm>
+          <a:prstGeom prst="straightConnector1">
+            <a:avLst/>
+          </a:prstGeom>
+          <a:ln>
+            <a:solidFill>
+              <a:srgbClr val="A8A8A8"/>
+            </a:solidFill>
+            <a:tailEnd type="none"/>
+          </a:ln>
+        </p:spPr>
+        <p:style>
+          <a:lnRef idx="1">
+            <a:schemeClr val="accent1"/>
+          </a:lnRef>
+          <a:fillRef idx="0">
+            <a:schemeClr val="accent1"/>
+          </a:fillRef>
+          <a:effectRef idx="0">
+            <a:schemeClr val="accent1"/>
+          </a:effectRef>
+          <a:fontRef idx="minor">
+            <a:schemeClr val="tx1"/>
+          </a:fontRef>
+        </p:style>
+      </p:cxnSp>
+      <p:sp>
+        <p:nvSpPr>
+          <p:cNvPr id="125" name="TextBox 124"/>
+          <p:cNvSpPr txBox="1"/>
+          <p:nvPr/>
+        </p:nvSpPr>
+        <p:spPr>
+          <a:xfrm>
+            <a:off x="9271349" y="2393585"/>
+            <a:ext cx="2152555" cy="934478"/>
+          </a:xfrm>
+          <a:prstGeom prst="rect">
+            <a:avLst/>
+          </a:prstGeom>
+          <a:noFill/>
+        </p:spPr>
+        <p:txBody>
+          <a:bodyPr wrap="square" lIns="36000" tIns="36000" rIns="36000" bIns="36000" rtlCol="0">
+            <a:spAutoFit/>
+          </a:bodyPr>
+          <a:lstStyle/>
+          <a:p>
+            <a:r>
+              <a:rPr lang="en-US" sz="1400" dirty="0"/>
+              <a:t>Registers </a:t>
+            </a:r>
+            <a:r>
+              <a:rPr lang="en-US" sz="1400" dirty="0" smtClean="0"/>
+              <a:t>log parsers, </a:t>
+            </a:r>
+            <a:r>
+              <a:rPr lang="en-US" sz="1400" dirty="0"/>
+              <a:t>incoming and outgoing connections to be read or </a:t>
+            </a:r>
+            <a:r>
+              <a:rPr lang="en-US" sz="1400" dirty="0" smtClean="0"/>
+              <a:t>ignored</a:t>
+            </a:r>
+            <a:endParaRPr lang="en-US" sz="1400" dirty="0"/>
+          </a:p>
+        </p:txBody>
+      </p:sp>
+      <p:sp>
+        <p:nvSpPr>
+          <p:cNvPr id="10" name="Rounded Rectangle 9"/>
+          <p:cNvSpPr/>
+          <p:nvPr/>
+        </p:nvSpPr>
+        <p:spPr>
+          <a:xfrm>
+            <a:off x="5050520" y="2706500"/>
+            <a:ext cx="1143000" cy="841248"/>
+          </a:xfrm>
+          <a:prstGeom prst="roundRect">
+            <a:avLst>
+              <a:gd name="adj" fmla="val 32971"/>
+            </a:avLst>
+          </a:prstGeom>
+          <a:solidFill>
+            <a:schemeClr val="bg1"/>
+          </a:solidFill>
+          <a:ln w="12700" cmpd="sng">
             <a:solidFill>
               <a:schemeClr val="tx1"/>
             </a:solidFill>
@@ -50505,27 +52281,51 @@
                   <a:schemeClr val="tx1"/>
                 </a:solidFill>
               </a:rPr>
-              <a:t>/components/</a:t>
-            </a:r>
+              <a:t>Log Parser</a:t>
+            </a:r>
+          </a:p>
+          <a:p>
+            <a:pPr algn="ctr">
+              <a:lnSpc>
+                <a:spcPct val="90000"/>
+              </a:lnSpc>
+            </a:pPr>
+            <a:r>
+              <a:rPr lang="en-US" sz="1600" dirty="0" smtClean="0">
+                <a:solidFill>
+                  <a:schemeClr val="tx1"/>
+                </a:solidFill>
+              </a:rPr>
+              <a:t>Actor</a:t>
+            </a:r>
+            <a:endParaRPr lang="nl-NL" sz="1600" dirty="0" smtClean="0">
+              <a:solidFill>
+                <a:schemeClr val="tx1"/>
+              </a:solidFill>
+            </a:endParaRPr>
           </a:p>
         </p:txBody>
       </p:sp>
       <p:sp>
         <p:nvSpPr>
-          <p:cNvPr id="28" name="Rectangle 27"/>
+          <p:cNvPr id="37" name="Rounded Rectangle 36"/>
           <p:cNvSpPr/>
           <p:nvPr/>
         </p:nvSpPr>
         <p:spPr>
           <a:xfrm>
-            <a:off x="310896" y="2831592"/>
-            <a:ext cx="2121408" cy="365760"/>
+            <a:off x="9552472" y="993081"/>
+            <a:ext cx="1544594" cy="841248"/>
           </a:xfrm>
-          <a:prstGeom prst="rect">
-            <a:avLst/>
+          <a:prstGeom prst="roundRect">
+            <a:avLst>
+              <a:gd name="adj" fmla="val 32971"/>
+            </a:avLst>
           </a:prstGeom>
-          <a:noFill/>
-          <a:ln w="25400">
+          <a:solidFill>
+            <a:schemeClr val="bg1"/>
+          </a:solidFill>
+          <a:ln w="12700" cmpd="sng">
             <a:solidFill>
               <a:schemeClr val="tx1"/>
             </a:solidFill>
@@ -50562,40 +52362,61 @@
               </a:lnSpc>
             </a:pPr>
             <a:r>
-              <a:rPr lang="en-US" sz="1600" u="sng" dirty="0" err="1" smtClean="0">
+              <a:rPr lang="en-US" sz="1600" dirty="0" smtClean="0">
                 <a:solidFill>
                   <a:schemeClr val="tx1"/>
                 </a:solidFill>
               </a:rPr>
-              <a:t>componentId</a:t>
-            </a:r>
-            <a:r>
-              <a:rPr lang="en-US" sz="1600" u="sng" dirty="0" smtClean="0">
+              <a:t>Administrator</a:t>
+            </a:r>
+            <a:endParaRPr lang="en-US" sz="1600" dirty="0" smtClean="0">
+              <a:solidFill>
+                <a:schemeClr val="tx1"/>
+              </a:solidFill>
+            </a:endParaRPr>
+          </a:p>
+          <a:p>
+            <a:pPr algn="ctr">
+              <a:lnSpc>
+                <a:spcPct val="90000"/>
+              </a:lnSpc>
+            </a:pPr>
+            <a:r>
+              <a:rPr lang="en-US" sz="1600" dirty="0" smtClean="0">
                 <a:solidFill>
                   <a:schemeClr val="tx1"/>
                 </a:solidFill>
               </a:rPr>
-              <a:t>: String</a:t>
-            </a:r>
+              <a:t>Actor</a:t>
+            </a:r>
+            <a:endParaRPr lang="nl-NL" sz="1600" dirty="0" smtClean="0">
+              <a:solidFill>
+                <a:schemeClr val="tx1"/>
+              </a:solidFill>
+            </a:endParaRPr>
           </a:p>
         </p:txBody>
       </p:sp>
       <p:sp>
         <p:nvSpPr>
-          <p:cNvPr id="29" name="Rectangle 28"/>
+          <p:cNvPr id="40" name="Rounded Rectangle 39"/>
           <p:cNvSpPr/>
           <p:nvPr/>
         </p:nvSpPr>
         <p:spPr>
           <a:xfrm>
-            <a:off x="310896" y="3197352"/>
-            <a:ext cx="2121408" cy="365760"/>
+            <a:off x="3656060" y="1494301"/>
+            <a:ext cx="1143000" cy="841248"/>
           </a:xfrm>
-          <a:prstGeom prst="rect">
-            <a:avLst/>
+          <a:prstGeom prst="roundRect">
+            <a:avLst>
+              <a:gd name="adj" fmla="val 32971"/>
+            </a:avLst>
           </a:prstGeom>
-          <a:noFill/>
-          <a:ln w="25400">
+          <a:solidFill>
+            <a:schemeClr val="bg1"/>
+          </a:solidFill>
+          <a:ln w="12700" cmpd="sng">
             <a:solidFill>
               <a:schemeClr val="tx1"/>
             </a:solidFill>
@@ -50637,27 +52458,103 @@
                   <a:schemeClr val="tx1"/>
                 </a:solidFill>
               </a:rPr>
-              <a:t>…</a:t>
-            </a:r>
+              <a:t>Log </a:t>
+            </a:r>
+            <a:r>
+              <a:rPr lang="en-US" sz="1600" dirty="0" smtClean="0">
+                <a:solidFill>
+                  <a:schemeClr val="tx1"/>
+                </a:solidFill>
+              </a:rPr>
+              <a:t>Receiver</a:t>
+            </a:r>
+            <a:endParaRPr lang="en-US" sz="1600" dirty="0" smtClean="0">
+              <a:solidFill>
+                <a:schemeClr val="tx1"/>
+              </a:solidFill>
+            </a:endParaRPr>
+          </a:p>
+          <a:p>
+            <a:pPr algn="ctr">
+              <a:lnSpc>
+                <a:spcPct val="90000"/>
+              </a:lnSpc>
+            </a:pPr>
+            <a:r>
+              <a:rPr lang="en-US" sz="1600" dirty="0" smtClean="0">
+                <a:solidFill>
+                  <a:schemeClr val="tx1"/>
+                </a:solidFill>
+              </a:rPr>
+              <a:t>Actor</a:t>
+            </a:r>
+            <a:endParaRPr lang="nl-NL" sz="1600" dirty="0" smtClean="0">
+              <a:solidFill>
+                <a:schemeClr val="tx1"/>
+              </a:solidFill>
+            </a:endParaRPr>
           </a:p>
         </p:txBody>
       </p:sp>
+      <p:cxnSp>
+        <p:nvCxnSpPr>
+          <p:cNvPr id="43" name="Straight Arrow Connector 35"/>
+          <p:cNvCxnSpPr>
+            <a:stCxn id="40" idx="3"/>
+            <a:endCxn id="10" idx="0"/>
+          </p:cNvCxnSpPr>
+          <p:nvPr/>
+        </p:nvCxnSpPr>
+        <p:spPr>
+          <a:xfrm>
+            <a:off x="4799060" y="1914925"/>
+            <a:ext cx="822960" cy="791575"/>
+          </a:xfrm>
+          <a:prstGeom prst="curvedConnector2">
+            <a:avLst/>
+          </a:prstGeom>
+          <a:ln w="25400">
+            <a:solidFill>
+              <a:schemeClr val="tx1"/>
+            </a:solidFill>
+            <a:tailEnd type="arrow"/>
+          </a:ln>
+        </p:spPr>
+        <p:style>
+          <a:lnRef idx="1">
+            <a:schemeClr val="accent1"/>
+          </a:lnRef>
+          <a:fillRef idx="0">
+            <a:schemeClr val="accent1"/>
+          </a:fillRef>
+          <a:effectRef idx="0">
+            <a:schemeClr val="accent1"/>
+          </a:effectRef>
+          <a:fontRef idx="minor">
+            <a:schemeClr val="tx1"/>
+          </a:fontRef>
+        </p:style>
+      </p:cxnSp>
       <p:sp>
         <p:nvSpPr>
-          <p:cNvPr id="30" name="Rectangle 29"/>
+          <p:cNvPr id="46" name="Rounded Rectangle 45"/>
           <p:cNvSpPr/>
           <p:nvPr/>
         </p:nvSpPr>
         <p:spPr>
           <a:xfrm>
-            <a:off x="3608832" y="496824"/>
-            <a:ext cx="1920240" cy="365760"/>
+            <a:off x="2155869" y="3547748"/>
+            <a:ext cx="1143000" cy="841248"/>
           </a:xfrm>
-          <a:prstGeom prst="rect">
-            <a:avLst/>
+          <a:prstGeom prst="roundRect">
+            <a:avLst>
+              <a:gd name="adj" fmla="val 32971"/>
+            </a:avLst>
           </a:prstGeom>
-          <a:noFill/>
-          <a:ln w="25400">
+          <a:solidFill>
+            <a:schemeClr val="bg1"/>
+          </a:solidFill>
+          <a:ln w="12700" cmpd="sng">
             <a:solidFill>
               <a:schemeClr val="tx1"/>
             </a:solidFill>
@@ -50699,27 +52596,56 @@
                   <a:schemeClr val="tx1"/>
                 </a:solidFill>
               </a:rPr>
-              <a:t>/metrics/</a:t>
-            </a:r>
+              <a:t>Alert Rule</a:t>
+            </a:r>
+            <a:endParaRPr lang="en-US" sz="1600" dirty="0" smtClean="0">
+              <a:solidFill>
+                <a:schemeClr val="tx1"/>
+              </a:solidFill>
+            </a:endParaRPr>
+          </a:p>
+          <a:p>
+            <a:pPr algn="ctr">
+              <a:lnSpc>
+                <a:spcPct val="90000"/>
+              </a:lnSpc>
+            </a:pPr>
+            <a:r>
+              <a:rPr lang="en-US" sz="1600" dirty="0" smtClean="0">
+                <a:solidFill>
+                  <a:schemeClr val="tx1"/>
+                </a:solidFill>
+              </a:rPr>
+              <a:t>Actor</a:t>
+            </a:r>
+            <a:endParaRPr lang="nl-NL" sz="1600" dirty="0" smtClean="0">
+              <a:solidFill>
+                <a:schemeClr val="tx1"/>
+              </a:solidFill>
+            </a:endParaRPr>
           </a:p>
         </p:txBody>
       </p:sp>
       <p:sp>
         <p:nvSpPr>
-          <p:cNvPr id="31" name="Rectangle 30"/>
+          <p:cNvPr id="47" name="Rounded Rectangle 46"/>
           <p:cNvSpPr/>
           <p:nvPr/>
         </p:nvSpPr>
         <p:spPr>
           <a:xfrm>
-            <a:off x="3608832" y="862584"/>
-            <a:ext cx="1920240" cy="365760"/>
+            <a:off x="3771881" y="4809620"/>
+            <a:ext cx="1143000" cy="841248"/>
           </a:xfrm>
-          <a:prstGeom prst="rect">
-            <a:avLst/>
+          <a:prstGeom prst="roundRect">
+            <a:avLst>
+              <a:gd name="adj" fmla="val 32971"/>
+            </a:avLst>
           </a:prstGeom>
-          <a:noFill/>
-          <a:ln w="25400">
+          <a:solidFill>
+            <a:schemeClr val="bg1"/>
+          </a:solidFill>
+          <a:ln w="12700" cmpd="sng">
             <a:solidFill>
               <a:schemeClr val="tx1"/>
             </a:solidFill>
@@ -50756,34 +52682,255 @@
               </a:lnSpc>
             </a:pPr>
             <a:r>
-              <a:rPr lang="en-US" sz="1600" u="sng" dirty="0" smtClean="0">
+              <a:rPr lang="en-US" sz="1600" dirty="0" smtClean="0">
                 <a:solidFill>
                   <a:schemeClr val="tx1"/>
                 </a:solidFill>
               </a:rPr>
-              <a:t>metric-key: String</a:t>
-            </a:r>
+              <a:t>Alert Action</a:t>
+            </a:r>
+            <a:endParaRPr lang="en-US" sz="1600" dirty="0" smtClean="0">
+              <a:solidFill>
+                <a:schemeClr val="tx1"/>
+              </a:solidFill>
+            </a:endParaRPr>
+          </a:p>
+          <a:p>
+            <a:pPr algn="ctr">
+              <a:lnSpc>
+                <a:spcPct val="90000"/>
+              </a:lnSpc>
+            </a:pPr>
+            <a:r>
+              <a:rPr lang="en-US" sz="1600" dirty="0" smtClean="0">
+                <a:solidFill>
+                  <a:schemeClr val="tx1"/>
+                </a:solidFill>
+              </a:rPr>
+              <a:t>Actor</a:t>
+            </a:r>
+            <a:endParaRPr lang="nl-NL" sz="1600" dirty="0" smtClean="0">
+              <a:solidFill>
+                <a:schemeClr val="tx1"/>
+              </a:solidFill>
+            </a:endParaRPr>
+          </a:p>
+        </p:txBody>
+      </p:sp>
+      <p:cxnSp>
+        <p:nvCxnSpPr>
+          <p:cNvPr id="49" name="Straight Arrow Connector 35"/>
+          <p:cNvCxnSpPr>
+            <a:stCxn id="10" idx="1"/>
+            <a:endCxn id="46" idx="0"/>
+          </p:cNvCxnSpPr>
+          <p:nvPr/>
+        </p:nvCxnSpPr>
+        <p:spPr>
+          <a:xfrm rot="10800000" flipV="1">
+            <a:off x="2727370" y="3127124"/>
+            <a:ext cx="2323151" cy="420624"/>
+          </a:xfrm>
+          <a:prstGeom prst="curvedConnector2">
+            <a:avLst/>
+          </a:prstGeom>
+          <a:ln w="25400">
+            <a:solidFill>
+              <a:schemeClr val="tx1"/>
+            </a:solidFill>
+            <a:tailEnd type="arrow"/>
+          </a:ln>
+        </p:spPr>
+        <p:style>
+          <a:lnRef idx="1">
+            <a:schemeClr val="accent1"/>
+          </a:lnRef>
+          <a:fillRef idx="0">
+            <a:schemeClr val="accent1"/>
+          </a:fillRef>
+          <a:effectRef idx="0">
+            <a:schemeClr val="accent1"/>
+          </a:effectRef>
+          <a:fontRef idx="minor">
+            <a:schemeClr val="tx1"/>
+          </a:fontRef>
+        </p:style>
+      </p:cxnSp>
+      <p:cxnSp>
+        <p:nvCxnSpPr>
+          <p:cNvPr id="51" name="Straight Arrow Connector 35"/>
+          <p:cNvCxnSpPr>
+            <a:stCxn id="46" idx="2"/>
+            <a:endCxn id="47" idx="1"/>
+          </p:cNvCxnSpPr>
+          <p:nvPr/>
+        </p:nvCxnSpPr>
+        <p:spPr>
+          <a:xfrm rot="16200000" flipH="1">
+            <a:off x="2829001" y="4287364"/>
+            <a:ext cx="841248" cy="1044512"/>
+          </a:xfrm>
+          <a:prstGeom prst="curvedConnector2">
+            <a:avLst/>
+          </a:prstGeom>
+          <a:ln w="25400">
+            <a:solidFill>
+              <a:schemeClr val="tx1"/>
+            </a:solidFill>
+            <a:tailEnd type="arrow"/>
+          </a:ln>
+        </p:spPr>
+        <p:style>
+          <a:lnRef idx="1">
+            <a:schemeClr val="accent1"/>
+          </a:lnRef>
+          <a:fillRef idx="0">
+            <a:schemeClr val="accent1"/>
+          </a:fillRef>
+          <a:effectRef idx="0">
+            <a:schemeClr val="accent1"/>
+          </a:effectRef>
+          <a:fontRef idx="minor">
+            <a:schemeClr val="tx1"/>
+          </a:fontRef>
+        </p:style>
+      </p:cxnSp>
+      <p:sp>
+        <p:nvSpPr>
+          <p:cNvPr id="56" name="TextBox 55"/>
+          <p:cNvSpPr txBox="1"/>
+          <p:nvPr/>
+        </p:nvSpPr>
+        <p:spPr>
+          <a:xfrm>
+            <a:off x="5643764" y="3547749"/>
+            <a:ext cx="3305926" cy="934478"/>
+          </a:xfrm>
+          <a:prstGeom prst="rect">
+            <a:avLst/>
+          </a:prstGeom>
+          <a:noFill/>
+        </p:spPr>
+        <p:txBody>
+          <a:bodyPr wrap="square" lIns="36000" tIns="36000" rIns="36000" bIns="36000" rtlCol="0">
+            <a:spAutoFit/>
+          </a:bodyPr>
+          <a:lstStyle/>
+          <a:p>
+            <a:r>
+              <a:rPr lang="en-US" sz="1400" dirty="0"/>
+              <a:t>From Admin actor: registers/deletes metrics and rules in a list.</a:t>
+            </a:r>
+          </a:p>
+          <a:p>
+            <a:r>
+              <a:rPr lang="en-US" sz="1400" dirty="0" smtClean="0"/>
+              <a:t>From LRA: processes </a:t>
+            </a:r>
+            <a:r>
+              <a:rPr lang="en-US" sz="1400" dirty="0"/>
+              <a:t>logs </a:t>
+            </a:r>
+            <a:r>
+              <a:rPr lang="en-US" sz="1400" dirty="0" smtClean="0"/>
+              <a:t>and</a:t>
+            </a:r>
+            <a:r>
+              <a:rPr lang="en-US" sz="1400" dirty="0" smtClean="0"/>
+              <a:t> creates alert rule actors</a:t>
+            </a:r>
+            <a:endParaRPr lang="en-US" sz="1400" dirty="0"/>
           </a:p>
         </p:txBody>
       </p:sp>
       <p:sp>
         <p:nvSpPr>
-          <p:cNvPr id="32" name="Rectangle 31"/>
+          <p:cNvPr id="58" name="TextBox 57"/>
+          <p:cNvSpPr txBox="1"/>
+          <p:nvPr/>
+        </p:nvSpPr>
+        <p:spPr>
+          <a:xfrm>
+            <a:off x="457200" y="3968371"/>
+            <a:ext cx="1698669" cy="1365365"/>
+          </a:xfrm>
+          <a:prstGeom prst="rect">
+            <a:avLst/>
+          </a:prstGeom>
+          <a:noFill/>
+        </p:spPr>
+        <p:txBody>
+          <a:bodyPr wrap="square" lIns="36000" tIns="36000" rIns="36000" bIns="36000" rtlCol="0">
+            <a:spAutoFit/>
+          </a:bodyPr>
+          <a:lstStyle/>
+          <a:p>
+            <a:r>
+              <a:rPr lang="en-US" sz="1400" dirty="0" smtClean="0"/>
+              <a:t>Checks if a rule of a metric for a log line has to be applied (</a:t>
+            </a:r>
+            <a:r>
+              <a:rPr lang="en-US" sz="1400" dirty="0" err="1" smtClean="0"/>
+              <a:t>CheckRuleBreak</a:t>
+            </a:r>
+            <a:r>
+              <a:rPr lang="en-US" sz="1400" dirty="0" smtClean="0"/>
+              <a:t>), if so: sends message to alert action actor</a:t>
+            </a:r>
+            <a:endParaRPr lang="en-US" sz="1400" dirty="0"/>
+          </a:p>
+        </p:txBody>
+      </p:sp>
+      <p:sp>
+        <p:nvSpPr>
+          <p:cNvPr id="59" name="TextBox 58"/>
+          <p:cNvSpPr txBox="1"/>
+          <p:nvPr/>
+        </p:nvSpPr>
+        <p:spPr>
+          <a:xfrm>
+            <a:off x="4987685" y="5055783"/>
+            <a:ext cx="1268669" cy="503590"/>
+          </a:xfrm>
+          <a:prstGeom prst="rect">
+            <a:avLst/>
+          </a:prstGeom>
+          <a:noFill/>
+        </p:spPr>
+        <p:txBody>
+          <a:bodyPr wrap="square" lIns="36000" tIns="36000" rIns="36000" bIns="36000" rtlCol="0">
+            <a:spAutoFit/>
+          </a:bodyPr>
+          <a:lstStyle/>
+          <a:p>
+            <a:r>
+              <a:rPr lang="en-US" sz="1400" dirty="0" smtClean="0"/>
+              <a:t>Sends out alert</a:t>
+            </a:r>
+            <a:endParaRPr lang="en-US" sz="1400" dirty="0"/>
+          </a:p>
+        </p:txBody>
+      </p:sp>
+      <p:sp>
+        <p:nvSpPr>
+          <p:cNvPr id="60" name="Rectangle 59"/>
           <p:cNvSpPr/>
           <p:nvPr/>
         </p:nvSpPr>
         <p:spPr>
           <a:xfrm>
-            <a:off x="3608832" y="1228344"/>
-            <a:ext cx="1920240" cy="365760"/>
+            <a:off x="7852410" y="4421000"/>
+            <a:ext cx="914400" cy="914400"/>
           </a:xfrm>
           <a:prstGeom prst="rect">
             <a:avLst/>
           </a:prstGeom>
-          <a:noFill/>
-          <a:ln w="25400">
+          <a:solidFill>
+            <a:srgbClr val="FF6200"/>
+          </a:solidFill>
+          <a:ln w="6350">
             <a:solidFill>
-              <a:schemeClr val="tx1"/>
+              <a:srgbClr val="FF6200"/>
             </a:solidFill>
           </a:ln>
         </p:spPr>
@@ -50804,7 +52951,7 @@
           </a:fontRef>
         </p:style>
         <p:txBody>
-          <a:bodyPr rot="0" spcFirstLastPara="0" vertOverflow="overflow" horzOverflow="overflow" vert="horz" wrap="square" lIns="36000" tIns="36000" rIns="36000" bIns="36000" numCol="1" spcCol="0" rtlCol="0" fromWordArt="0" anchor="ctr" anchorCtr="0" forceAA="0" compatLnSpc="1">
+          <a:bodyPr rot="0" spcFirstLastPara="0" vertOverflow="overflow" horzOverflow="overflow" vert="horz" wrap="square" lIns="36000" tIns="36000" rIns="36000" bIns="36000" numCol="1" spcCol="0" rtlCol="0" fromWordArt="0" anchor="t" anchorCtr="0" forceAA="0" compatLnSpc="1">
             <a:prstTxWarp prst="textNoShape">
               <a:avLst/>
             </a:prstTxWarp>
@@ -50818,42 +52965,49 @@
               </a:lnSpc>
             </a:pPr>
             <a:r>
-              <a:rPr lang="en-US" sz="1600" dirty="0">
-                <a:solidFill>
-                  <a:schemeClr val="tx1"/>
-                </a:solidFill>
-              </a:rPr>
-              <a:t>r</a:t>
-            </a:r>
-            <a:r>
-              <a:rPr lang="en-US" sz="1600" dirty="0" smtClean="0">
-                <a:solidFill>
-                  <a:schemeClr val="tx1"/>
-                </a:solidFill>
-              </a:rPr>
-              <a:t>egex: String</a:t>
-            </a:r>
+              <a:rPr lang="nl-NL" sz="1600" dirty="0" smtClean="0"/>
+              <a:t>Log </a:t>
+            </a:r>
+            <a:r>
+              <a:rPr lang="nl-NL" sz="1600" dirty="0" err="1" smtClean="0"/>
+              <a:t>Parser</a:t>
+            </a:r>
+            <a:endParaRPr lang="nl-NL" sz="1600" dirty="0" smtClean="0"/>
+          </a:p>
+          <a:p>
+            <a:pPr algn="ctr">
+              <a:lnSpc>
+                <a:spcPct val="90000"/>
+              </a:lnSpc>
+            </a:pPr>
+            <a:r>
+              <a:rPr lang="nl-NL" sz="1600" dirty="0" smtClean="0"/>
+              <a:t>Actor</a:t>
+            </a:r>
+            <a:endParaRPr lang="nl-NL" sz="1600" dirty="0" smtClean="0"/>
           </a:p>
         </p:txBody>
       </p:sp>
       <p:sp>
         <p:nvSpPr>
-          <p:cNvPr id="33" name="Rectangle 32"/>
+          <p:cNvPr id="61" name="Rectangle 60"/>
           <p:cNvSpPr/>
           <p:nvPr/>
         </p:nvSpPr>
         <p:spPr>
           <a:xfrm>
-            <a:off x="3608832" y="1877568"/>
-            <a:ext cx="1920240" cy="365760"/>
+            <a:off x="9395931" y="4421000"/>
+            <a:ext cx="914400" cy="914400"/>
           </a:xfrm>
           <a:prstGeom prst="rect">
             <a:avLst/>
           </a:prstGeom>
-          <a:noFill/>
-          <a:ln w="25400">
+          <a:solidFill>
+            <a:srgbClr val="FF6200"/>
+          </a:solidFill>
+          <a:ln w="6350">
             <a:solidFill>
-              <a:schemeClr val="tx1"/>
+              <a:srgbClr val="FF6200"/>
             </a:solidFill>
           </a:ln>
         </p:spPr>
@@ -50874,7 +53028,7 @@
           </a:fontRef>
         </p:style>
         <p:txBody>
-          <a:bodyPr rot="0" spcFirstLastPara="0" vertOverflow="overflow" horzOverflow="overflow" vert="horz" wrap="square" lIns="36000" tIns="36000" rIns="36000" bIns="36000" numCol="1" spcCol="0" rtlCol="0" fromWordArt="0" anchor="ctr" anchorCtr="0" forceAA="0" compatLnSpc="1">
+          <a:bodyPr rot="0" spcFirstLastPara="0" vertOverflow="overflow" horzOverflow="overflow" vert="horz" wrap="square" lIns="36000" tIns="36000" rIns="36000" bIns="36000" numCol="1" spcCol="0" rtlCol="0" fromWordArt="0" anchor="t" anchorCtr="0" forceAA="0" compatLnSpc="1">
             <a:prstTxWarp prst="textNoShape">
               <a:avLst/>
             </a:prstTxWarp>
@@ -50888,34 +53042,88 @@
               </a:lnSpc>
             </a:pPr>
             <a:r>
-              <a:rPr lang="en-US" sz="1600" dirty="0" smtClean="0">
-                <a:solidFill>
-                  <a:schemeClr val="tx1"/>
-                </a:solidFill>
-              </a:rPr>
-              <a:t>/logs/</a:t>
-            </a:r>
+              <a:rPr lang="nl-NL" sz="1600" dirty="0" smtClean="0"/>
+              <a:t>Alert </a:t>
+            </a:r>
+            <a:r>
+              <a:rPr lang="nl-NL" sz="1600" dirty="0" err="1" smtClean="0"/>
+              <a:t>Rule</a:t>
+            </a:r>
+            <a:endParaRPr lang="nl-NL" sz="1600" dirty="0" smtClean="0"/>
+          </a:p>
+          <a:p>
+            <a:pPr algn="ctr">
+              <a:lnSpc>
+                <a:spcPct val="90000"/>
+              </a:lnSpc>
+            </a:pPr>
+            <a:r>
+              <a:rPr lang="nl-NL" sz="1600" dirty="0" smtClean="0"/>
+              <a:t>Actor</a:t>
+            </a:r>
+            <a:endParaRPr lang="nl-NL" sz="1600" dirty="0" smtClean="0"/>
           </a:p>
         </p:txBody>
       </p:sp>
+      <p:cxnSp>
+        <p:nvCxnSpPr>
+          <p:cNvPr id="63" name="Straight Arrow Connector 62"/>
+          <p:cNvCxnSpPr>
+            <a:stCxn id="60" idx="3"/>
+            <a:endCxn id="61" idx="1"/>
+          </p:cNvCxnSpPr>
+          <p:nvPr/>
+        </p:nvCxnSpPr>
+        <p:spPr>
+          <a:xfrm>
+            <a:off x="8766810" y="4878200"/>
+            <a:ext cx="629121" cy="0"/>
+          </a:xfrm>
+          <a:prstGeom prst="straightConnector1">
+            <a:avLst/>
+          </a:prstGeom>
+          <a:ln>
+            <a:solidFill>
+              <a:srgbClr val="A8A8A8"/>
+            </a:solidFill>
+            <a:tailEnd type="arrow"/>
+          </a:ln>
+        </p:spPr>
+        <p:style>
+          <a:lnRef idx="1">
+            <a:schemeClr val="accent1"/>
+          </a:lnRef>
+          <a:fillRef idx="0">
+            <a:schemeClr val="accent1"/>
+          </a:fillRef>
+          <a:effectRef idx="0">
+            <a:schemeClr val="accent1"/>
+          </a:effectRef>
+          <a:fontRef idx="minor">
+            <a:schemeClr val="tx1"/>
+          </a:fontRef>
+        </p:style>
+      </p:cxnSp>
       <p:sp>
         <p:nvSpPr>
-          <p:cNvPr id="34" name="Rectangle 33"/>
+          <p:cNvPr id="64" name="Rectangle 63"/>
           <p:cNvSpPr/>
           <p:nvPr/>
         </p:nvSpPr>
         <p:spPr>
           <a:xfrm>
-            <a:off x="3608832" y="2243328"/>
-            <a:ext cx="1920240" cy="365760"/>
+            <a:off x="11007090" y="4421000"/>
+            <a:ext cx="914400" cy="914400"/>
           </a:xfrm>
           <a:prstGeom prst="rect">
             <a:avLst/>
           </a:prstGeom>
-          <a:noFill/>
-          <a:ln w="25400">
+          <a:solidFill>
+            <a:srgbClr val="FF6200"/>
+          </a:solidFill>
+          <a:ln w="6350">
             <a:solidFill>
-              <a:schemeClr val="tx1"/>
+              <a:srgbClr val="FF6200"/>
             </a:solidFill>
           </a:ln>
         </p:spPr>
@@ -50936,7 +53144,7 @@
           </a:fontRef>
         </p:style>
         <p:txBody>
-          <a:bodyPr rot="0" spcFirstLastPara="0" vertOverflow="overflow" horzOverflow="overflow" vert="horz" wrap="square" lIns="36000" tIns="36000" rIns="36000" bIns="36000" numCol="1" spcCol="0" rtlCol="0" fromWordArt="0" anchor="ctr" anchorCtr="0" forceAA="0" compatLnSpc="1">
+          <a:bodyPr rot="0" spcFirstLastPara="0" vertOverflow="overflow" horzOverflow="overflow" vert="horz" wrap="square" lIns="36000" tIns="36000" rIns="36000" bIns="36000" numCol="1" spcCol="0" rtlCol="0" fromWordArt="0" anchor="t" anchorCtr="0" forceAA="0" compatLnSpc="1">
             <a:prstTxWarp prst="textNoShape">
               <a:avLst/>
             </a:prstTxWarp>
@@ -50950,34 +53158,83 @@
               </a:lnSpc>
             </a:pPr>
             <a:r>
-              <a:rPr lang="en-US" sz="1600" u="sng" dirty="0" smtClean="0">
-                <a:solidFill>
-                  <a:schemeClr val="tx1"/>
-                </a:solidFill>
-              </a:rPr>
-              <a:t>log-id: String</a:t>
-            </a:r>
+              <a:rPr lang="nl-NL" sz="1600" dirty="0" smtClean="0"/>
+              <a:t>Alert Action</a:t>
+            </a:r>
+          </a:p>
+          <a:p>
+            <a:pPr algn="ctr">
+              <a:lnSpc>
+                <a:spcPct val="90000"/>
+              </a:lnSpc>
+            </a:pPr>
+            <a:r>
+              <a:rPr lang="nl-NL" sz="1600" dirty="0" smtClean="0"/>
+              <a:t>Actor</a:t>
+            </a:r>
+            <a:endParaRPr lang="nl-NL" sz="1600" dirty="0" smtClean="0"/>
           </a:p>
         </p:txBody>
       </p:sp>
+      <p:cxnSp>
+        <p:nvCxnSpPr>
+          <p:cNvPr id="66" name="Straight Arrow Connector 65"/>
+          <p:cNvCxnSpPr>
+            <a:stCxn id="61" idx="3"/>
+            <a:endCxn id="64" idx="1"/>
+          </p:cNvCxnSpPr>
+          <p:nvPr/>
+        </p:nvCxnSpPr>
+        <p:spPr>
+          <a:xfrm>
+            <a:off x="10310331" y="4878200"/>
+            <a:ext cx="696759" cy="0"/>
+          </a:xfrm>
+          <a:prstGeom prst="straightConnector1">
+            <a:avLst/>
+          </a:prstGeom>
+          <a:ln>
+            <a:solidFill>
+              <a:srgbClr val="A8A8A8"/>
+            </a:solidFill>
+            <a:tailEnd type="arrow"/>
+          </a:ln>
+        </p:spPr>
+        <p:style>
+          <a:lnRef idx="1">
+            <a:schemeClr val="accent1"/>
+          </a:lnRef>
+          <a:fillRef idx="0">
+            <a:schemeClr val="accent1"/>
+          </a:fillRef>
+          <a:effectRef idx="0">
+            <a:schemeClr val="accent1"/>
+          </a:effectRef>
+          <a:fontRef idx="minor">
+            <a:schemeClr val="tx1"/>
+          </a:fontRef>
+        </p:style>
+      </p:cxnSp>
       <p:sp>
         <p:nvSpPr>
-          <p:cNvPr id="35" name="Rectangle 34"/>
+          <p:cNvPr id="67" name="Rectangle 66"/>
           <p:cNvSpPr/>
           <p:nvPr/>
         </p:nvSpPr>
         <p:spPr>
           <a:xfrm>
-            <a:off x="3608832" y="2609088"/>
-            <a:ext cx="1920240" cy="365760"/>
+            <a:off x="6256354" y="4421000"/>
+            <a:ext cx="914400" cy="914400"/>
           </a:xfrm>
           <a:prstGeom prst="rect">
             <a:avLst/>
           </a:prstGeom>
-          <a:noFill/>
-          <a:ln w="25400">
+          <a:solidFill>
+            <a:srgbClr val="FF6200"/>
+          </a:solidFill>
+          <a:ln w="6350">
             <a:solidFill>
-              <a:schemeClr val="tx1"/>
+              <a:srgbClr val="FF6200"/>
             </a:solidFill>
           </a:ln>
         </p:spPr>
@@ -50998,7 +53255,7 @@
           </a:fontRef>
         </p:style>
         <p:txBody>
-          <a:bodyPr rot="0" spcFirstLastPara="0" vertOverflow="overflow" horzOverflow="overflow" vert="horz" wrap="square" lIns="36000" tIns="36000" rIns="36000" bIns="36000" numCol="1" spcCol="0" rtlCol="0" fromWordArt="0" anchor="ctr" anchorCtr="0" forceAA="0" compatLnSpc="1">
+          <a:bodyPr rot="0" spcFirstLastPara="0" vertOverflow="overflow" horzOverflow="overflow" vert="horz" wrap="square" lIns="36000" tIns="36000" rIns="36000" bIns="36000" numCol="1" spcCol="0" rtlCol="0" fromWordArt="0" anchor="t" anchorCtr="0" forceAA="0" compatLnSpc="1">
             <a:prstTxWarp prst="textNoShape">
               <a:avLst/>
             </a:prstTxWarp>
@@ -51012,34 +53269,263 @@
               </a:lnSpc>
             </a:pPr>
             <a:r>
-              <a:rPr lang="en-US" sz="1600" dirty="0" smtClean="0">
-                <a:solidFill>
-                  <a:schemeClr val="tx1"/>
-                </a:solidFill>
-              </a:rPr>
-              <a:t>log-line: String</a:t>
-            </a:r>
+              <a:rPr lang="nl-NL" sz="1600" dirty="0" smtClean="0"/>
+              <a:t>Admin</a:t>
+            </a:r>
+          </a:p>
+          <a:p>
+            <a:pPr algn="ctr">
+              <a:lnSpc>
+                <a:spcPct val="90000"/>
+              </a:lnSpc>
+            </a:pPr>
+            <a:r>
+              <a:rPr lang="nl-NL" sz="1600" dirty="0" smtClean="0"/>
+              <a:t>Actor</a:t>
+            </a:r>
+            <a:endParaRPr lang="nl-NL" sz="1600" dirty="0" smtClean="0"/>
+          </a:p>
+        </p:txBody>
+      </p:sp>
+      <p:cxnSp>
+        <p:nvCxnSpPr>
+          <p:cNvPr id="68" name="Straight Arrow Connector 67"/>
+          <p:cNvCxnSpPr>
+            <a:stCxn id="67" idx="3"/>
+            <a:endCxn id="60" idx="1"/>
+          </p:cNvCxnSpPr>
+          <p:nvPr/>
+        </p:nvCxnSpPr>
+        <p:spPr>
+          <a:xfrm>
+            <a:off x="7170754" y="4878200"/>
+            <a:ext cx="681656" cy="0"/>
+          </a:xfrm>
+          <a:prstGeom prst="straightConnector1">
+            <a:avLst/>
+          </a:prstGeom>
+          <a:ln>
+            <a:solidFill>
+              <a:srgbClr val="A8A8A8"/>
+            </a:solidFill>
+            <a:tailEnd type="arrow"/>
+          </a:ln>
+        </p:spPr>
+        <p:style>
+          <a:lnRef idx="1">
+            <a:schemeClr val="accent1"/>
+          </a:lnRef>
+          <a:fillRef idx="0">
+            <a:schemeClr val="accent1"/>
+          </a:fillRef>
+          <a:effectRef idx="0">
+            <a:schemeClr val="accent1"/>
+          </a:effectRef>
+          <a:fontRef idx="minor">
+            <a:schemeClr val="tx1"/>
+          </a:fontRef>
+        </p:style>
+      </p:cxnSp>
+      <p:sp>
+        <p:nvSpPr>
+          <p:cNvPr id="29" name="TextBox 28"/>
+          <p:cNvSpPr txBox="1"/>
+          <p:nvPr/>
+        </p:nvSpPr>
+        <p:spPr>
+          <a:xfrm>
+            <a:off x="7170754" y="4635884"/>
+            <a:ext cx="173693" cy="288147"/>
+          </a:xfrm>
+          <a:prstGeom prst="rect">
+            <a:avLst/>
+          </a:prstGeom>
+          <a:noFill/>
+        </p:spPr>
+        <p:txBody>
+          <a:bodyPr wrap="none" lIns="36000" tIns="36000" rIns="36000" bIns="36000" rtlCol="0">
+            <a:spAutoFit/>
+          </a:bodyPr>
+          <a:lstStyle/>
+          <a:p>
+            <a:r>
+              <a:rPr lang="nl-NL" sz="1400" dirty="0" smtClean="0"/>
+              <a:t>1</a:t>
+            </a:r>
+            <a:endParaRPr lang="nl-NL" sz="1400" dirty="0" smtClean="0"/>
           </a:p>
         </p:txBody>
       </p:sp>
       <p:sp>
         <p:nvSpPr>
-          <p:cNvPr id="36" name="Rectangle 35"/>
+          <p:cNvPr id="30" name="TextBox 29"/>
+          <p:cNvSpPr txBox="1"/>
+          <p:nvPr/>
+        </p:nvSpPr>
+        <p:spPr>
+          <a:xfrm>
+            <a:off x="7646670" y="4632873"/>
+            <a:ext cx="176899" cy="288147"/>
+          </a:xfrm>
+          <a:prstGeom prst="rect">
+            <a:avLst/>
+          </a:prstGeom>
+          <a:noFill/>
+        </p:spPr>
+        <p:txBody>
+          <a:bodyPr wrap="none" lIns="36000" tIns="36000" rIns="36000" bIns="36000" rtlCol="0">
+            <a:spAutoFit/>
+          </a:bodyPr>
+          <a:lstStyle/>
+          <a:p>
+            <a:r>
+              <a:rPr lang="nl-NL" sz="1400" dirty="0" smtClean="0"/>
+              <a:t>n</a:t>
+            </a:r>
+            <a:endParaRPr lang="nl-NL" sz="1400" dirty="0" smtClean="0"/>
+          </a:p>
+        </p:txBody>
+      </p:sp>
+      <p:sp>
+        <p:nvSpPr>
+          <p:cNvPr id="71" name="TextBox 70"/>
+          <p:cNvSpPr txBox="1"/>
+          <p:nvPr/>
+        </p:nvSpPr>
+        <p:spPr>
+          <a:xfrm>
+            <a:off x="8735046" y="4574837"/>
+            <a:ext cx="173693" cy="288147"/>
+          </a:xfrm>
+          <a:prstGeom prst="rect">
+            <a:avLst/>
+          </a:prstGeom>
+          <a:noFill/>
+        </p:spPr>
+        <p:txBody>
+          <a:bodyPr wrap="none" lIns="36000" tIns="36000" rIns="36000" bIns="36000" rtlCol="0">
+            <a:spAutoFit/>
+          </a:bodyPr>
+          <a:lstStyle/>
+          <a:p>
+            <a:r>
+              <a:rPr lang="nl-NL" sz="1400" dirty="0" smtClean="0"/>
+              <a:t>1</a:t>
+            </a:r>
+            <a:endParaRPr lang="nl-NL" sz="1400" dirty="0" smtClean="0"/>
+          </a:p>
+        </p:txBody>
+      </p:sp>
+      <p:sp>
+        <p:nvSpPr>
+          <p:cNvPr id="72" name="TextBox 71"/>
+          <p:cNvSpPr txBox="1"/>
+          <p:nvPr/>
+        </p:nvSpPr>
+        <p:spPr>
+          <a:xfrm>
+            <a:off x="9210962" y="4571826"/>
+            <a:ext cx="176899" cy="288147"/>
+          </a:xfrm>
+          <a:prstGeom prst="rect">
+            <a:avLst/>
+          </a:prstGeom>
+          <a:noFill/>
+        </p:spPr>
+        <p:txBody>
+          <a:bodyPr wrap="none" lIns="36000" tIns="36000" rIns="36000" bIns="36000" rtlCol="0">
+            <a:spAutoFit/>
+          </a:bodyPr>
+          <a:lstStyle/>
+          <a:p>
+            <a:r>
+              <a:rPr lang="nl-NL" sz="1400" dirty="0" smtClean="0"/>
+              <a:t>n</a:t>
+            </a:r>
+            <a:endParaRPr lang="nl-NL" sz="1400" dirty="0" smtClean="0"/>
+          </a:p>
+        </p:txBody>
+      </p:sp>
+      <p:sp>
+        <p:nvSpPr>
+          <p:cNvPr id="73" name="TextBox 72"/>
+          <p:cNvSpPr txBox="1"/>
+          <p:nvPr/>
+        </p:nvSpPr>
+        <p:spPr>
+          <a:xfrm>
+            <a:off x="10349368" y="4566336"/>
+            <a:ext cx="173693" cy="288147"/>
+          </a:xfrm>
+          <a:prstGeom prst="rect">
+            <a:avLst/>
+          </a:prstGeom>
+          <a:noFill/>
+        </p:spPr>
+        <p:txBody>
+          <a:bodyPr wrap="none" lIns="36000" tIns="36000" rIns="36000" bIns="36000" rtlCol="0">
+            <a:spAutoFit/>
+          </a:bodyPr>
+          <a:lstStyle/>
+          <a:p>
+            <a:r>
+              <a:rPr lang="nl-NL" sz="1400" dirty="0" smtClean="0"/>
+              <a:t>1</a:t>
+            </a:r>
+            <a:endParaRPr lang="nl-NL" sz="1400" dirty="0" smtClean="0"/>
+          </a:p>
+        </p:txBody>
+      </p:sp>
+      <p:sp>
+        <p:nvSpPr>
+          <p:cNvPr id="74" name="TextBox 73"/>
+          <p:cNvSpPr txBox="1"/>
+          <p:nvPr/>
+        </p:nvSpPr>
+        <p:spPr>
+          <a:xfrm>
+            <a:off x="10825284" y="4563325"/>
+            <a:ext cx="176899" cy="288147"/>
+          </a:xfrm>
+          <a:prstGeom prst="rect">
+            <a:avLst/>
+          </a:prstGeom>
+          <a:noFill/>
+        </p:spPr>
+        <p:txBody>
+          <a:bodyPr wrap="none" lIns="36000" tIns="36000" rIns="36000" bIns="36000" rtlCol="0">
+            <a:spAutoFit/>
+          </a:bodyPr>
+          <a:lstStyle/>
+          <a:p>
+            <a:r>
+              <a:rPr lang="nl-NL" sz="1400" dirty="0" smtClean="0"/>
+              <a:t>n</a:t>
+            </a:r>
+            <a:endParaRPr lang="nl-NL" sz="1400" dirty="0" smtClean="0"/>
+          </a:p>
+        </p:txBody>
+      </p:sp>
+      <p:sp>
+        <p:nvSpPr>
+          <p:cNvPr id="33" name="Rectangle 32"/>
           <p:cNvSpPr/>
           <p:nvPr/>
         </p:nvSpPr>
         <p:spPr>
           <a:xfrm>
-            <a:off x="6513576" y="219456"/>
-            <a:ext cx="1920240" cy="365760"/>
+            <a:off x="7852410" y="5772150"/>
+            <a:ext cx="914400" cy="914400"/>
           </a:xfrm>
           <a:prstGeom prst="rect">
             <a:avLst/>
           </a:prstGeom>
-          <a:noFill/>
-          <a:ln w="25400">
+          <a:solidFill>
+            <a:srgbClr val="FF6200"/>
+          </a:solidFill>
+          <a:ln w="6350">
             <a:solidFill>
-              <a:schemeClr val="tx1"/>
+              <a:srgbClr val="FF6200"/>
             </a:solidFill>
           </a:ln>
         </p:spPr>
@@ -51060,7 +53546,7 @@
           </a:fontRef>
         </p:style>
         <p:txBody>
-          <a:bodyPr rot="0" spcFirstLastPara="0" vertOverflow="overflow" horzOverflow="overflow" vert="horz" wrap="square" lIns="36000" tIns="36000" rIns="36000" bIns="36000" numCol="1" spcCol="0" rtlCol="0" fromWordArt="0" anchor="ctr" anchorCtr="0" forceAA="0" compatLnSpc="1">
+          <a:bodyPr rot="0" spcFirstLastPara="0" vertOverflow="overflow" horzOverflow="overflow" vert="horz" wrap="square" lIns="36000" tIns="36000" rIns="36000" bIns="36000" numCol="1" spcCol="0" rtlCol="0" fromWordArt="0" anchor="t" anchorCtr="0" forceAA="0" compatLnSpc="1">
             <a:prstTxWarp prst="textNoShape">
               <a:avLst/>
             </a:prstTxWarp>
@@ -51074,251 +53560,35 @@
               </a:lnSpc>
             </a:pPr>
             <a:r>
-              <a:rPr lang="en-US" sz="1600" dirty="0" smtClean="0">
-                <a:solidFill>
-                  <a:schemeClr val="tx1"/>
-                </a:solidFill>
-              </a:rPr>
-              <a:t>/alerts-rule/</a:t>
-            </a:r>
-          </a:p>
-        </p:txBody>
-      </p:sp>
-      <p:sp>
-        <p:nvSpPr>
-          <p:cNvPr id="37" name="Rectangle 36"/>
-          <p:cNvSpPr/>
-          <p:nvPr/>
-        </p:nvSpPr>
-        <p:spPr>
-          <a:xfrm>
-            <a:off x="6513576" y="585216"/>
-            <a:ext cx="1920240" cy="365760"/>
-          </a:xfrm>
-          <a:prstGeom prst="rect">
-            <a:avLst/>
-          </a:prstGeom>
-          <a:noFill/>
-          <a:ln w="25400">
-            <a:solidFill>
-              <a:schemeClr val="tx1"/>
-            </a:solidFill>
-          </a:ln>
-        </p:spPr>
-        <p:style>
-          <a:lnRef idx="2">
-            <a:schemeClr val="accent1">
-              <a:shade val="50000"/>
-            </a:schemeClr>
-          </a:lnRef>
-          <a:fillRef idx="1">
-            <a:schemeClr val="accent1"/>
-          </a:fillRef>
-          <a:effectRef idx="0">
-            <a:schemeClr val="accent1"/>
-          </a:effectRef>
-          <a:fontRef idx="minor">
-            <a:schemeClr val="lt1"/>
-          </a:fontRef>
-        </p:style>
-        <p:txBody>
-          <a:bodyPr rot="0" spcFirstLastPara="0" vertOverflow="overflow" horzOverflow="overflow" vert="horz" wrap="square" lIns="36000" tIns="36000" rIns="36000" bIns="36000" numCol="1" spcCol="0" rtlCol="0" fromWordArt="0" anchor="ctr" anchorCtr="0" forceAA="0" compatLnSpc="1">
-            <a:prstTxWarp prst="textNoShape">
-              <a:avLst/>
-            </a:prstTxWarp>
-            <a:noAutofit/>
-          </a:bodyPr>
-          <a:lstStyle/>
-          <a:p>
-            <a:pPr algn="ctr">
-              <a:lnSpc>
-                <a:spcPct val="90000"/>
-              </a:lnSpc>
-            </a:pPr>
-            <a:r>
-              <a:rPr lang="en-US" sz="1600" u="sng" dirty="0" smtClean="0">
-                <a:solidFill>
-                  <a:schemeClr val="tx1"/>
-                </a:solidFill>
-              </a:rPr>
-              <a:t>alert-rule-id: String</a:t>
-            </a:r>
-          </a:p>
-        </p:txBody>
-      </p:sp>
-      <p:sp>
-        <p:nvSpPr>
-          <p:cNvPr id="38" name="Rectangle 37"/>
-          <p:cNvSpPr/>
-          <p:nvPr/>
-        </p:nvSpPr>
-        <p:spPr>
-          <a:xfrm>
-            <a:off x="6513576" y="950976"/>
-            <a:ext cx="1920240" cy="365760"/>
-          </a:xfrm>
-          <a:prstGeom prst="rect">
-            <a:avLst/>
-          </a:prstGeom>
-          <a:noFill/>
-          <a:ln w="25400">
-            <a:solidFill>
-              <a:schemeClr val="tx1"/>
-            </a:solidFill>
-          </a:ln>
-        </p:spPr>
-        <p:style>
-          <a:lnRef idx="2">
-            <a:schemeClr val="accent1">
-              <a:shade val="50000"/>
-            </a:schemeClr>
-          </a:lnRef>
-          <a:fillRef idx="1">
-            <a:schemeClr val="accent1"/>
-          </a:fillRef>
-          <a:effectRef idx="0">
-            <a:schemeClr val="accent1"/>
-          </a:effectRef>
-          <a:fontRef idx="minor">
-            <a:schemeClr val="lt1"/>
-          </a:fontRef>
-        </p:style>
-        <p:txBody>
-          <a:bodyPr rot="0" spcFirstLastPara="0" vertOverflow="overflow" horzOverflow="overflow" vert="horz" wrap="square" lIns="36000" tIns="36000" rIns="36000" bIns="36000" numCol="1" spcCol="0" rtlCol="0" fromWordArt="0" anchor="ctr" anchorCtr="0" forceAA="0" compatLnSpc="1">
-            <a:prstTxWarp prst="textNoShape">
-              <a:avLst/>
-            </a:prstTxWarp>
-            <a:noAutofit/>
-          </a:bodyPr>
-          <a:lstStyle/>
-          <a:p>
-            <a:pPr algn="ctr">
-              <a:lnSpc>
-                <a:spcPct val="90000"/>
-              </a:lnSpc>
-            </a:pPr>
-            <a:r>
-              <a:rPr lang="en-US" sz="1600" dirty="0" smtClean="0">
-                <a:solidFill>
-                  <a:schemeClr val="tx1"/>
-                </a:solidFill>
-              </a:rPr>
-              <a:t>rule</a:t>
-            </a:r>
-            <a:r>
-              <a:rPr lang="en-US" sz="1600" dirty="0" smtClean="0">
-                <a:solidFill>
-                  <a:schemeClr val="tx1"/>
-                </a:solidFill>
-              </a:rPr>
-              <a:t>: String</a:t>
-            </a:r>
+              <a:rPr lang="nl-NL" sz="1600" dirty="0" err="1" smtClean="0"/>
+              <a:t>Metric</a:t>
+            </a:r>
+            <a:endParaRPr lang="nl-NL" sz="1600" dirty="0" smtClean="0"/>
           </a:p>
         </p:txBody>
       </p:sp>
       <p:cxnSp>
         <p:nvCxnSpPr>
-          <p:cNvPr id="40" name="Straight Connector 39"/>
+          <p:cNvPr id="44" name="Straight Arrow Connector 43"/>
           <p:cNvCxnSpPr>
-            <a:stCxn id="28" idx="3"/>
-            <a:endCxn id="31" idx="1"/>
+            <a:stCxn id="60" idx="2"/>
+            <a:endCxn id="33" idx="0"/>
           </p:cNvCxnSpPr>
           <p:nvPr/>
         </p:nvCxnSpPr>
         <p:spPr>
-          <a:xfrm flipV="1">
-            <a:off x="2432304" y="1045464"/>
-            <a:ext cx="1176528" cy="1969008"/>
+          <a:xfrm>
+            <a:off x="8309610" y="5335400"/>
+            <a:ext cx="0" cy="436750"/>
           </a:xfrm>
-          <a:prstGeom prst="curvedConnector3">
-            <a:avLst>
-              <a:gd name="adj1" fmla="val 50000"/>
-            </a:avLst>
+          <a:prstGeom prst="straightConnector1">
+            <a:avLst/>
           </a:prstGeom>
-          <a:ln w="19050">
+          <a:ln>
             <a:solidFill>
-              <a:schemeClr val="tx1"/>
+              <a:srgbClr val="A8A8A8"/>
             </a:solidFill>
-          </a:ln>
-        </p:spPr>
-        <p:style>
-          <a:lnRef idx="1">
-            <a:schemeClr val="accent1"/>
-          </a:lnRef>
-          <a:fillRef idx="0">
-            <a:schemeClr val="accent1"/>
-          </a:fillRef>
-          <a:effectRef idx="0">
-            <a:schemeClr val="accent1"/>
-          </a:effectRef>
-          <a:fontRef idx="minor">
-            <a:schemeClr val="tx1"/>
-          </a:fontRef>
-        </p:style>
-      </p:cxnSp>
-      <p:cxnSp>
-        <p:nvCxnSpPr>
-          <p:cNvPr id="43" name="Straight Connector 39"/>
-          <p:cNvCxnSpPr>
-            <a:stCxn id="28" idx="3"/>
-            <a:endCxn id="34" idx="1"/>
-          </p:cNvCxnSpPr>
-          <p:nvPr/>
-        </p:nvCxnSpPr>
-        <p:spPr>
-          <a:xfrm flipV="1">
-            <a:off x="2432304" y="2426208"/>
-            <a:ext cx="1176528" cy="588264"/>
-          </a:xfrm>
-          <a:prstGeom prst="curvedConnector3">
-            <a:avLst>
-              <a:gd name="adj1" fmla="val 50000"/>
-            </a:avLst>
-          </a:prstGeom>
-          <a:ln w="19050">
-            <a:solidFill>
-              <a:schemeClr val="tx1"/>
-            </a:solidFill>
-          </a:ln>
-        </p:spPr>
-        <p:style>
-          <a:lnRef idx="1">
-            <a:schemeClr val="accent1"/>
-          </a:lnRef>
-          <a:fillRef idx="0">
-            <a:schemeClr val="accent1"/>
-          </a:fillRef>
-          <a:effectRef idx="0">
-            <a:schemeClr val="accent1"/>
-          </a:effectRef>
-          <a:fontRef idx="minor">
-            <a:schemeClr val="tx1"/>
-          </a:fontRef>
-        </p:style>
-      </p:cxnSp>
-      <p:cxnSp>
-        <p:nvCxnSpPr>
-          <p:cNvPr id="46" name="Straight Connector 39"/>
-          <p:cNvCxnSpPr>
-            <a:stCxn id="31" idx="3"/>
-            <a:endCxn id="37" idx="1"/>
-          </p:cNvCxnSpPr>
-          <p:nvPr/>
-        </p:nvCxnSpPr>
-        <p:spPr>
-          <a:xfrm flipV="1">
-            <a:off x="5529072" y="768096"/>
-            <a:ext cx="984504" cy="277368"/>
-          </a:xfrm>
-          <a:prstGeom prst="curvedConnector3">
-            <a:avLst>
-              <a:gd name="adj1" fmla="val 50000"/>
-            </a:avLst>
-          </a:prstGeom>
-          <a:ln w="19050">
-            <a:solidFill>
-              <a:schemeClr val="tx1"/>
-            </a:solidFill>
+            <a:tailEnd type="arrow"/>
           </a:ln>
         </p:spPr>
         <p:style>
@@ -51338,549 +53608,68 @@
       </p:cxnSp>
       <p:sp>
         <p:nvSpPr>
-          <p:cNvPr id="57" name="Rectangle 56"/>
-          <p:cNvSpPr/>
+          <p:cNvPr id="81" name="TextBox 80"/>
+          <p:cNvSpPr txBox="1"/>
           <p:nvPr/>
         </p:nvSpPr>
         <p:spPr>
           <a:xfrm>
-            <a:off x="3608832" y="3371088"/>
-            <a:ext cx="1920240" cy="365760"/>
+            <a:off x="8309610" y="5265628"/>
+            <a:ext cx="173693" cy="288147"/>
           </a:xfrm>
           <a:prstGeom prst="rect">
             <a:avLst/>
           </a:prstGeom>
           <a:noFill/>
-          <a:ln w="25400">
-            <a:solidFill>
-              <a:schemeClr val="tx1"/>
-            </a:solidFill>
-          </a:ln>
         </p:spPr>
-        <p:style>
-          <a:lnRef idx="2">
-            <a:schemeClr val="accent1">
-              <a:shade val="50000"/>
-            </a:schemeClr>
-          </a:lnRef>
-          <a:fillRef idx="1">
-            <a:schemeClr val="accent1"/>
-          </a:fillRef>
-          <a:effectRef idx="0">
-            <a:schemeClr val="accent1"/>
-          </a:effectRef>
-          <a:fontRef idx="minor">
-            <a:schemeClr val="lt1"/>
-          </a:fontRef>
-        </p:style>
         <p:txBody>
-          <a:bodyPr rot="0" spcFirstLastPara="0" vertOverflow="overflow" horzOverflow="overflow" vert="horz" wrap="square" lIns="36000" tIns="36000" rIns="36000" bIns="36000" numCol="1" spcCol="0" rtlCol="0" fromWordArt="0" anchor="ctr" anchorCtr="0" forceAA="0" compatLnSpc="1">
-            <a:prstTxWarp prst="textNoShape">
-              <a:avLst/>
-            </a:prstTxWarp>
-            <a:noAutofit/>
+          <a:bodyPr wrap="none" lIns="36000" tIns="36000" rIns="36000" bIns="36000" rtlCol="0">
+            <a:spAutoFit/>
           </a:bodyPr>
           <a:lstStyle/>
           <a:p>
-            <a:pPr algn="ctr">
-              <a:lnSpc>
-                <a:spcPct val="90000"/>
-              </a:lnSpc>
-            </a:pPr>
-            <a:r>
-              <a:rPr lang="en-US" sz="1600" dirty="0" smtClean="0">
-                <a:solidFill>
-                  <a:schemeClr val="tx1"/>
-                </a:solidFill>
-              </a:rPr>
-              <a:t>/actions/</a:t>
-            </a:r>
+            <a:r>
+              <a:rPr lang="nl-NL" sz="1400" dirty="0" smtClean="0"/>
+              <a:t>1</a:t>
+            </a:r>
+            <a:endParaRPr lang="nl-NL" sz="1400" dirty="0" smtClean="0"/>
           </a:p>
         </p:txBody>
       </p:sp>
       <p:sp>
         <p:nvSpPr>
-          <p:cNvPr id="58" name="Rectangle 57"/>
-          <p:cNvSpPr/>
+          <p:cNvPr id="82" name="TextBox 81"/>
+          <p:cNvSpPr txBox="1"/>
           <p:nvPr/>
         </p:nvSpPr>
         <p:spPr>
           <a:xfrm>
-            <a:off x="3608832" y="3736848"/>
-            <a:ext cx="1920240" cy="365760"/>
+            <a:off x="8306404" y="5506794"/>
+            <a:ext cx="176899" cy="288147"/>
           </a:xfrm>
           <a:prstGeom prst="rect">
             <a:avLst/>
           </a:prstGeom>
           <a:noFill/>
-          <a:ln w="25400">
-            <a:solidFill>
-              <a:schemeClr val="tx1"/>
-            </a:solidFill>
-          </a:ln>
         </p:spPr>
-        <p:style>
-          <a:lnRef idx="2">
-            <a:schemeClr val="accent1">
-              <a:shade val="50000"/>
-            </a:schemeClr>
-          </a:lnRef>
-          <a:fillRef idx="1">
-            <a:schemeClr val="accent1"/>
-          </a:fillRef>
-          <a:effectRef idx="0">
-            <a:schemeClr val="accent1"/>
-          </a:effectRef>
-          <a:fontRef idx="minor">
-            <a:schemeClr val="lt1"/>
-          </a:fontRef>
-        </p:style>
         <p:txBody>
-          <a:bodyPr rot="0" spcFirstLastPara="0" vertOverflow="overflow" horzOverflow="overflow" vert="horz" wrap="square" lIns="36000" tIns="36000" rIns="36000" bIns="36000" numCol="1" spcCol="0" rtlCol="0" fromWordArt="0" anchor="ctr" anchorCtr="0" forceAA="0" compatLnSpc="1">
-            <a:prstTxWarp prst="textNoShape">
-              <a:avLst/>
-            </a:prstTxWarp>
-            <a:noAutofit/>
+          <a:bodyPr wrap="none" lIns="36000" tIns="36000" rIns="36000" bIns="36000" rtlCol="0">
+            <a:spAutoFit/>
           </a:bodyPr>
           <a:lstStyle/>
           <a:p>
-            <a:pPr algn="ctr">
-              <a:lnSpc>
-                <a:spcPct val="90000"/>
-              </a:lnSpc>
-            </a:pPr>
-            <a:r>
-              <a:rPr lang="en-US" sz="1600" u="sng" dirty="0" smtClean="0">
-                <a:solidFill>
-                  <a:schemeClr val="tx1"/>
-                </a:solidFill>
-              </a:rPr>
-              <a:t>action-id: String</a:t>
-            </a:r>
-          </a:p>
-        </p:txBody>
-      </p:sp>
-      <p:sp>
-        <p:nvSpPr>
-          <p:cNvPr id="59" name="Rectangle 58"/>
-          <p:cNvSpPr/>
-          <p:nvPr/>
-        </p:nvSpPr>
-        <p:spPr>
-          <a:xfrm>
-            <a:off x="3608832" y="4102608"/>
-            <a:ext cx="1920240" cy="365760"/>
-          </a:xfrm>
-          <a:prstGeom prst="rect">
-            <a:avLst/>
-          </a:prstGeom>
-          <a:noFill/>
-          <a:ln w="25400">
-            <a:solidFill>
-              <a:schemeClr val="tx1"/>
-            </a:solidFill>
-          </a:ln>
-        </p:spPr>
-        <p:style>
-          <a:lnRef idx="2">
-            <a:schemeClr val="accent1">
-              <a:shade val="50000"/>
-            </a:schemeClr>
-          </a:lnRef>
-          <a:fillRef idx="1">
-            <a:schemeClr val="accent1"/>
-          </a:fillRef>
-          <a:effectRef idx="0">
-            <a:schemeClr val="accent1"/>
-          </a:effectRef>
-          <a:fontRef idx="minor">
-            <a:schemeClr val="lt1"/>
-          </a:fontRef>
-        </p:style>
-        <p:txBody>
-          <a:bodyPr rot="0" spcFirstLastPara="0" vertOverflow="overflow" horzOverflow="overflow" vert="horz" wrap="square" lIns="36000" tIns="36000" rIns="36000" bIns="36000" numCol="1" spcCol="0" rtlCol="0" fromWordArt="0" anchor="ctr" anchorCtr="0" forceAA="0" compatLnSpc="1">
-            <a:prstTxWarp prst="textNoShape">
-              <a:avLst/>
-            </a:prstTxWarp>
-            <a:noAutofit/>
-          </a:bodyPr>
-          <a:lstStyle/>
-          <a:p>
-            <a:pPr algn="ctr">
-              <a:lnSpc>
-                <a:spcPct val="90000"/>
-              </a:lnSpc>
-            </a:pPr>
-            <a:r>
-              <a:rPr lang="en-US" sz="1600" dirty="0" smtClean="0">
-                <a:solidFill>
-                  <a:schemeClr val="tx1"/>
-                </a:solidFill>
-              </a:rPr>
-              <a:t>action: Object</a:t>
-            </a:r>
-          </a:p>
-        </p:txBody>
-      </p:sp>
-      <p:sp>
-        <p:nvSpPr>
-          <p:cNvPr id="60" name="Rectangle 59"/>
-          <p:cNvSpPr/>
-          <p:nvPr/>
-        </p:nvSpPr>
-        <p:spPr>
-          <a:xfrm>
-            <a:off x="6513576" y="1322832"/>
-            <a:ext cx="1920240" cy="365760"/>
-          </a:xfrm>
-          <a:prstGeom prst="rect">
-            <a:avLst/>
-          </a:prstGeom>
-          <a:noFill/>
-          <a:ln w="25400">
-            <a:solidFill>
-              <a:schemeClr val="tx1"/>
-            </a:solidFill>
-          </a:ln>
-        </p:spPr>
-        <p:style>
-          <a:lnRef idx="2">
-            <a:schemeClr val="accent1">
-              <a:shade val="50000"/>
-            </a:schemeClr>
-          </a:lnRef>
-          <a:fillRef idx="1">
-            <a:schemeClr val="accent1"/>
-          </a:fillRef>
-          <a:effectRef idx="0">
-            <a:schemeClr val="accent1"/>
-          </a:effectRef>
-          <a:fontRef idx="minor">
-            <a:schemeClr val="lt1"/>
-          </a:fontRef>
-        </p:style>
-        <p:txBody>
-          <a:bodyPr rot="0" spcFirstLastPara="0" vertOverflow="overflow" horzOverflow="overflow" vert="horz" wrap="square" lIns="36000" tIns="36000" rIns="36000" bIns="36000" numCol="1" spcCol="0" rtlCol="0" fromWordArt="0" anchor="ctr" anchorCtr="0" forceAA="0" compatLnSpc="1">
-            <a:prstTxWarp prst="textNoShape">
-              <a:avLst/>
-            </a:prstTxWarp>
-            <a:noAutofit/>
-          </a:bodyPr>
-          <a:lstStyle/>
-          <a:p>
-            <a:pPr algn="ctr">
-              <a:lnSpc>
-                <a:spcPct val="90000"/>
-              </a:lnSpc>
-            </a:pPr>
-            <a:r>
-              <a:rPr lang="en-US" sz="1600" dirty="0" smtClean="0">
-                <a:solidFill>
-                  <a:schemeClr val="tx1"/>
-                </a:solidFill>
-              </a:rPr>
-              <a:t>action-id</a:t>
-            </a:r>
-            <a:r>
-              <a:rPr lang="en-US" sz="1600" dirty="0" smtClean="0">
-                <a:solidFill>
-                  <a:schemeClr val="tx1"/>
-                </a:solidFill>
-              </a:rPr>
-              <a:t>: String</a:t>
-            </a:r>
-          </a:p>
-        </p:txBody>
-      </p:sp>
-      <p:sp>
-        <p:nvSpPr>
-          <p:cNvPr id="62" name="Rectangle 61"/>
-          <p:cNvSpPr/>
-          <p:nvPr/>
-        </p:nvSpPr>
-        <p:spPr>
-          <a:xfrm>
-            <a:off x="9860280" y="344424"/>
-            <a:ext cx="1920240" cy="365760"/>
-          </a:xfrm>
-          <a:prstGeom prst="rect">
-            <a:avLst/>
-          </a:prstGeom>
-          <a:noFill/>
-          <a:ln w="25400">
-            <a:solidFill>
-              <a:schemeClr val="tx1"/>
-            </a:solidFill>
-          </a:ln>
-        </p:spPr>
-        <p:style>
-          <a:lnRef idx="2">
-            <a:schemeClr val="accent1">
-              <a:shade val="50000"/>
-            </a:schemeClr>
-          </a:lnRef>
-          <a:fillRef idx="1">
-            <a:schemeClr val="accent1"/>
-          </a:fillRef>
-          <a:effectRef idx="0">
-            <a:schemeClr val="accent1"/>
-          </a:effectRef>
-          <a:fontRef idx="minor">
-            <a:schemeClr val="lt1"/>
-          </a:fontRef>
-        </p:style>
-        <p:txBody>
-          <a:bodyPr rot="0" spcFirstLastPara="0" vertOverflow="overflow" horzOverflow="overflow" vert="horz" wrap="square" lIns="36000" tIns="36000" rIns="36000" bIns="36000" numCol="1" spcCol="0" rtlCol="0" fromWordArt="0" anchor="ctr" anchorCtr="0" forceAA="0" compatLnSpc="1">
-            <a:prstTxWarp prst="textNoShape">
-              <a:avLst/>
-            </a:prstTxWarp>
-            <a:noAutofit/>
-          </a:bodyPr>
-          <a:lstStyle/>
-          <a:p>
-            <a:pPr algn="ctr">
-              <a:lnSpc>
-                <a:spcPct val="90000"/>
-              </a:lnSpc>
-            </a:pPr>
-            <a:r>
-              <a:rPr lang="en-US" sz="1600" dirty="0" smtClean="0">
-                <a:solidFill>
-                  <a:schemeClr val="tx1"/>
-                </a:solidFill>
-              </a:rPr>
-              <a:t>/past-alerts/</a:t>
-            </a:r>
-          </a:p>
-        </p:txBody>
-      </p:sp>
-      <p:sp>
-        <p:nvSpPr>
-          <p:cNvPr id="63" name="Rectangle 62"/>
-          <p:cNvSpPr/>
-          <p:nvPr/>
-        </p:nvSpPr>
-        <p:spPr>
-          <a:xfrm>
-            <a:off x="9860280" y="710184"/>
-            <a:ext cx="1920240" cy="365760"/>
-          </a:xfrm>
-          <a:prstGeom prst="rect">
-            <a:avLst/>
-          </a:prstGeom>
-          <a:noFill/>
-          <a:ln w="25400">
-            <a:solidFill>
-              <a:schemeClr val="tx1"/>
-            </a:solidFill>
-          </a:ln>
-        </p:spPr>
-        <p:style>
-          <a:lnRef idx="2">
-            <a:schemeClr val="accent1">
-              <a:shade val="50000"/>
-            </a:schemeClr>
-          </a:lnRef>
-          <a:fillRef idx="1">
-            <a:schemeClr val="accent1"/>
-          </a:fillRef>
-          <a:effectRef idx="0">
-            <a:schemeClr val="accent1"/>
-          </a:effectRef>
-          <a:fontRef idx="minor">
-            <a:schemeClr val="lt1"/>
-          </a:fontRef>
-        </p:style>
-        <p:txBody>
-          <a:bodyPr rot="0" spcFirstLastPara="0" vertOverflow="overflow" horzOverflow="overflow" vert="horz" wrap="square" lIns="36000" tIns="36000" rIns="36000" bIns="36000" numCol="1" spcCol="0" rtlCol="0" fromWordArt="0" anchor="ctr" anchorCtr="0" forceAA="0" compatLnSpc="1">
-            <a:prstTxWarp prst="textNoShape">
-              <a:avLst/>
-            </a:prstTxWarp>
-            <a:noAutofit/>
-          </a:bodyPr>
-          <a:lstStyle/>
-          <a:p>
-            <a:pPr algn="ctr">
-              <a:lnSpc>
-                <a:spcPct val="90000"/>
-              </a:lnSpc>
-            </a:pPr>
-            <a:r>
-              <a:rPr lang="en-US" sz="1600" u="sng" dirty="0" smtClean="0">
-                <a:solidFill>
-                  <a:schemeClr val="tx1"/>
-                </a:solidFill>
-              </a:rPr>
-              <a:t>timestamp: </a:t>
-            </a:r>
-            <a:r>
-              <a:rPr lang="en-US" sz="1600" u="sng" dirty="0" err="1" smtClean="0">
-                <a:solidFill>
-                  <a:schemeClr val="tx1"/>
-                </a:solidFill>
-              </a:rPr>
-              <a:t>Int</a:t>
-            </a:r>
-            <a:endParaRPr lang="en-US" sz="1600" u="sng" dirty="0" smtClean="0">
-              <a:solidFill>
-                <a:schemeClr val="tx1"/>
-              </a:solidFill>
-            </a:endParaRPr>
-          </a:p>
-        </p:txBody>
-      </p:sp>
-      <p:cxnSp>
-        <p:nvCxnSpPr>
-          <p:cNvPr id="69" name="Straight Connector 39"/>
-          <p:cNvCxnSpPr>
-            <a:stCxn id="37" idx="3"/>
-            <a:endCxn id="63" idx="1"/>
-          </p:cNvCxnSpPr>
-          <p:nvPr/>
-        </p:nvCxnSpPr>
-        <p:spPr>
-          <a:xfrm>
-            <a:off x="8433816" y="768096"/>
-            <a:ext cx="1426464" cy="124968"/>
-          </a:xfrm>
-          <a:prstGeom prst="curvedConnector3">
-            <a:avLst>
-              <a:gd name="adj1" fmla="val 50000"/>
-            </a:avLst>
-          </a:prstGeom>
-          <a:ln w="19050">
-            <a:solidFill>
-              <a:schemeClr val="tx1"/>
-            </a:solidFill>
-          </a:ln>
-        </p:spPr>
-        <p:style>
-          <a:lnRef idx="1">
-            <a:schemeClr val="accent1"/>
-          </a:lnRef>
-          <a:fillRef idx="0">
-            <a:schemeClr val="accent1"/>
-          </a:fillRef>
-          <a:effectRef idx="0">
-            <a:schemeClr val="accent1"/>
-          </a:effectRef>
-          <a:fontRef idx="minor">
-            <a:schemeClr val="tx1"/>
-          </a:fontRef>
-        </p:style>
-      </p:cxnSp>
-      <p:cxnSp>
-        <p:nvCxnSpPr>
-          <p:cNvPr id="73" name="Straight Connector 39"/>
-          <p:cNvCxnSpPr>
-            <a:stCxn id="28" idx="3"/>
-            <a:endCxn id="58" idx="1"/>
-          </p:cNvCxnSpPr>
-          <p:nvPr/>
-        </p:nvCxnSpPr>
-        <p:spPr>
-          <a:xfrm>
-            <a:off x="2432304" y="3014472"/>
-            <a:ext cx="1176528" cy="905256"/>
-          </a:xfrm>
-          <a:prstGeom prst="curvedConnector3">
-            <a:avLst>
-              <a:gd name="adj1" fmla="val 50000"/>
-            </a:avLst>
-          </a:prstGeom>
-          <a:ln w="19050">
-            <a:solidFill>
-              <a:schemeClr val="tx1"/>
-            </a:solidFill>
-          </a:ln>
-        </p:spPr>
-        <p:style>
-          <a:lnRef idx="1">
-            <a:schemeClr val="accent1"/>
-          </a:lnRef>
-          <a:fillRef idx="0">
-            <a:schemeClr val="accent1"/>
-          </a:fillRef>
-          <a:effectRef idx="0">
-            <a:schemeClr val="accent1"/>
-          </a:effectRef>
-          <a:fontRef idx="minor">
-            <a:schemeClr val="tx1"/>
-          </a:fontRef>
-        </p:style>
-      </p:cxnSp>
-      <p:sp>
-        <p:nvSpPr>
-          <p:cNvPr id="77" name="Rounded Rectangle 76"/>
-          <p:cNvSpPr/>
-          <p:nvPr/>
-        </p:nvSpPr>
-        <p:spPr>
-          <a:xfrm>
-            <a:off x="9348216" y="1338072"/>
-            <a:ext cx="2621280" cy="722376"/>
-          </a:xfrm>
-          <a:prstGeom prst="roundRect">
-            <a:avLst/>
-          </a:prstGeom>
-          <a:noFill/>
-          <a:ln w="25400">
-            <a:solidFill>
-              <a:schemeClr val="tx1"/>
-            </a:solidFill>
-            <a:prstDash val="dash"/>
-          </a:ln>
-        </p:spPr>
-        <p:style>
-          <a:lnRef idx="2">
-            <a:schemeClr val="accent1">
-              <a:shade val="50000"/>
-            </a:schemeClr>
-          </a:lnRef>
-          <a:fillRef idx="1">
-            <a:schemeClr val="accent1"/>
-          </a:fillRef>
-          <a:effectRef idx="0">
-            <a:schemeClr val="accent1"/>
-          </a:effectRef>
-          <a:fontRef idx="minor">
-            <a:schemeClr val="lt1"/>
-          </a:fontRef>
-        </p:style>
-        <p:txBody>
-          <a:bodyPr rot="0" spcFirstLastPara="0" vertOverflow="overflow" horzOverflow="overflow" vert="horz" wrap="square" lIns="36000" tIns="36000" rIns="36000" bIns="36000" numCol="1" spcCol="0" rtlCol="0" fromWordArt="0" anchor="ctr" anchorCtr="0" forceAA="0" compatLnSpc="1">
-            <a:prstTxWarp prst="textNoShape">
-              <a:avLst/>
-            </a:prstTxWarp>
-            <a:noAutofit/>
-          </a:bodyPr>
-          <a:lstStyle/>
-          <a:p>
-            <a:pPr algn="ctr">
-              <a:lnSpc>
-                <a:spcPct val="90000"/>
-              </a:lnSpc>
-            </a:pPr>
-            <a:r>
-              <a:rPr lang="en-US" sz="1600" dirty="0" smtClean="0">
-                <a:solidFill>
-                  <a:schemeClr val="tx1"/>
-                </a:solidFill>
-              </a:rPr>
-              <a:t>These are created automatically when alert rules are triggered</a:t>
-            </a:r>
-            <a:endParaRPr lang="nl-NL" sz="1600" dirty="0" smtClean="0">
-              <a:solidFill>
-                <a:schemeClr val="tx1"/>
-              </a:solidFill>
-            </a:endParaRPr>
+            <a:r>
+              <a:rPr lang="nl-NL" sz="1400" dirty="0" smtClean="0"/>
+              <a:t>n</a:t>
+            </a:r>
+            <a:endParaRPr lang="nl-NL" sz="1400" dirty="0" smtClean="0"/>
           </a:p>
         </p:txBody>
       </p:sp>
     </p:spTree>
     <p:extLst>
       <p:ext uri="{BB962C8B-B14F-4D97-AF65-F5344CB8AC3E}">
-        <p14:creationId xmlns:p14="http://schemas.microsoft.com/office/powerpoint/2010/main" val="1104345850"/>
+        <p14:creationId xmlns:p14="http://schemas.microsoft.com/office/powerpoint/2010/main" val="3341199822"/>
       </p:ext>
     </p:extLst>
   </p:cSld>
@@ -52172,7 +53961,7 @@
   <a:extraClrSchemeLst/>
   <a:extLst>
     <a:ext uri="{05A4C25C-085E-4340-85A3-A5531E510DB2}">
-      <thm15:themeFamily xmlns="" xmlns:thm15="http://schemas.microsoft.com/office/thememl/2012/main" name="ING_PP_Template_16x9_08042015.potx" id="{6D084BF0-9966-4FDC-A0E8-0296637E5E37}" vid="{40DDC393-4B6B-4664-98B0-883141C8FD4C}"/>
+      <thm15:themeFamily xmlns:thm15="http://schemas.microsoft.com/office/thememl/2012/main" xmlns="" name="ING_PP_Template_16x9_08042015.potx" id="{6D084BF0-9966-4FDC-A0E8-0296637E5E37}" vid="{40DDC393-4B6B-4664-98B0-883141C8FD4C}"/>
     </a:ext>
   </a:extLst>
 </a:theme>
@@ -52373,7 +54162,7 @@
   <a:extraClrSchemeLst/>
   <a:extLst>
     <a:ext uri="{05A4C25C-085E-4340-85A3-A5531E510DB2}">
-      <thm15:themeFamily xmlns="" xmlns:thm15="http://schemas.microsoft.com/office/thememl/2012/main" name="Office Theme" id="{62F939B6-93AF-4DB8-9C6B-D6C7DFDC589F}" vid="{4A3C46E8-61CC-4603-A589-7422A47A8E4A}"/>
+      <thm15:themeFamily xmlns:thm15="http://schemas.microsoft.com/office/thememl/2012/main" xmlns="" name="Office Theme" id="{62F939B6-93AF-4DB8-9C6B-D6C7DFDC589F}" vid="{4A3C46E8-61CC-4603-A589-7422A47A8E4A}"/>
     </a:ext>
   </a:extLst>
 </a:theme>
@@ -52634,37 +54423,13 @@
   <a:extraClrSchemeLst/>
   <a:extLst>
     <a:ext uri="{05A4C25C-085E-4340-85A3-A5531E510DB2}">
-      <thm15:themeFamily xmlns="" xmlns:thm15="http://schemas.microsoft.com/office/thememl/2012/main" name="Office Theme" id="{62F939B6-93AF-4DB8-9C6B-D6C7DFDC589F}" vid="{4A3C46E8-61CC-4603-A589-7422A47A8E4A}"/>
+      <thm15:themeFamily xmlns:thm15="http://schemas.microsoft.com/office/thememl/2012/main" xmlns="" name="Office Theme" id="{62F939B6-93AF-4DB8-9C6B-D6C7DFDC589F}" vid="{4A3C46E8-61CC-4603-A589-7422A47A8E4A}"/>
     </a:ext>
   </a:extLst>
 </a:theme>
 </file>
 
 <file path=customXml/item1.xml><?xml version="1.0" encoding="utf-8"?>
-<p:properties xmlns:p="http://schemas.microsoft.com/office/2006/metadata/properties" xmlns:xsi="http://www.w3.org/2001/XMLSchema-instance" xmlns:pc="http://schemas.microsoft.com/office/infopath/2007/PartnerControls">
-  <documentManagement>
-    <PublishingExpirationDate xmlns="http://schemas.microsoft.com/sharepoint/v3" xsi:nil="true"/>
-    <PublishingStartDate xmlns="http://schemas.microsoft.com/sharepoint/v3" xsi:nil="true"/>
-    <SiteDescription xmlns="http://schemas.microsoft.com/sharepoint/v3" xsi:nil="true"/>
-    <Brand_x0020_Direction xmlns="dd9685c7-1b51-4f0d-99d4-f85cded3c7cc" xsi:nil="true"/>
-    <Folder xmlns="dd9685c7-1b51-4f0d-99d4-f85cded3c7cc">Templates</Folder>
-    <AverageRating xmlns="http://schemas.microsoft.com/sharepoint/v3" xsi:nil="true"/>
-    <Strategy xmlns="dd9685c7-1b51-4f0d-99d4-f85cded3c7cc" xsi:nil="true"/>
-    <Topic xmlns="dd9685c7-1b51-4f0d-99d4-f85cded3c7cc">Visual Identity</Topic>
-  </documentManagement>
-</p:properties>
-</file>
-
-<file path=customXml/item2.xml><?xml version="1.0" encoding="utf-8"?>
-<?mso-contentType ?>
-<FormTemplates xmlns="http://schemas.microsoft.com/sharepoint/v3/contenttype/forms">
-  <Display>DocumentLibraryForm</Display>
-  <Edit>DocumentLibraryForm</Edit>
-  <New>DocumentLibraryForm</New>
-</FormTemplates>
-</file>
-
-<file path=customXml/item3.xml><?xml version="1.0" encoding="utf-8"?>
 <ct:contentTypeSchema xmlns:ct="http://schemas.microsoft.com/office/2006/metadata/contentType" xmlns:ma="http://schemas.microsoft.com/office/2006/metadata/properties/metaAttributes" ct:_="" ma:_="" ma:contentTypeName="Document" ma:contentTypeID="0x010100C4B70D2541308B408D52311842DB4B85" ma:contentTypeVersion="11" ma:contentTypeDescription="Create a new document." ma:contentTypeScope="" ma:versionID="86bf3c55d610017f3162882dfee45bfa">
   <xsd:schema xmlns:xsd="http://www.w3.org/2001/XMLSchema" xmlns:xs="http://www.w3.org/2001/XMLSchema" xmlns:p="http://schemas.microsoft.com/office/2006/metadata/properties" xmlns:ns1="http://schemas.microsoft.com/sharepoint/v3" xmlns:ns2="dd9685c7-1b51-4f0d-99d4-f85cded3c7cc" targetNamespace="http://schemas.microsoft.com/office/2006/metadata/properties" ma:root="true" ma:fieldsID="49f86c314a55f9c9e62f8cead28958e6" ns1:_="" ns2:_="">
     <xsd:import namespace="http://schemas.microsoft.com/sharepoint/v3"/>
@@ -52862,32 +54627,31 @@
 </ct:contentTypeSchema>
 </file>
 
-<file path=customXml/itemProps1.xml><?xml version="1.0" encoding="utf-8"?>
-<ds:datastoreItem xmlns:ds="http://schemas.openxmlformats.org/officeDocument/2006/customXml" ds:itemID="{704FD01F-905A-4117-8DCC-FC33DBB06DD3}">
-  <ds:schemaRefs>
-    <ds:schemaRef ds:uri="http://purl.org/dc/elements/1.1/"/>
-    <ds:schemaRef ds:uri="http://www.w3.org/XML/1998/namespace"/>
-    <ds:schemaRef ds:uri="http://schemas.openxmlformats.org/package/2006/metadata/core-properties"/>
-    <ds:schemaRef ds:uri="http://purl.org/dc/terms/"/>
-    <ds:schemaRef ds:uri="http://purl.org/dc/dcmitype/"/>
-    <ds:schemaRef ds:uri="dd9685c7-1b51-4f0d-99d4-f85cded3c7cc"/>
-    <ds:schemaRef ds:uri="http://schemas.microsoft.com/office/infopath/2007/PartnerControls"/>
-    <ds:schemaRef ds:uri="http://schemas.microsoft.com/office/2006/documentManagement/types"/>
-    <ds:schemaRef ds:uri="http://schemas.microsoft.com/sharepoint/v3"/>
-    <ds:schemaRef ds:uri="http://schemas.microsoft.com/office/2006/metadata/properties"/>
-  </ds:schemaRefs>
-</ds:datastoreItem>
+<file path=customXml/item2.xml><?xml version="1.0" encoding="utf-8"?>
+<?mso-contentType ?>
+<FormTemplates xmlns="http://schemas.microsoft.com/sharepoint/v3/contenttype/forms">
+  <Display>DocumentLibraryForm</Display>
+  <Edit>DocumentLibraryForm</Edit>
+  <New>DocumentLibraryForm</New>
+</FormTemplates>
 </file>
 
-<file path=customXml/itemProps2.xml><?xml version="1.0" encoding="utf-8"?>
-<ds:datastoreItem xmlns:ds="http://schemas.openxmlformats.org/officeDocument/2006/customXml" ds:itemID="{B2FCE9E9-5DF1-4A7E-AD0C-A4DE08FF1CB1}">
-  <ds:schemaRefs>
-    <ds:schemaRef ds:uri="http://schemas.microsoft.com/sharepoint/v3/contenttype/forms"/>
-  </ds:schemaRefs>
-</ds:datastoreItem>
+<file path=customXml/item3.xml><?xml version="1.0" encoding="utf-8"?>
+<p:properties xmlns:p="http://schemas.microsoft.com/office/2006/metadata/properties" xmlns:xsi="http://www.w3.org/2001/XMLSchema-instance" xmlns:pc="http://schemas.microsoft.com/office/infopath/2007/PartnerControls">
+  <documentManagement>
+    <PublishingExpirationDate xmlns="http://schemas.microsoft.com/sharepoint/v3" xsi:nil="true"/>
+    <PublishingStartDate xmlns="http://schemas.microsoft.com/sharepoint/v3" xsi:nil="true"/>
+    <SiteDescription xmlns="http://schemas.microsoft.com/sharepoint/v3" xsi:nil="true"/>
+    <Brand_x0020_Direction xmlns="dd9685c7-1b51-4f0d-99d4-f85cded3c7cc" xsi:nil="true"/>
+    <Folder xmlns="dd9685c7-1b51-4f0d-99d4-f85cded3c7cc">Templates</Folder>
+    <AverageRating xmlns="http://schemas.microsoft.com/sharepoint/v3" xsi:nil="true"/>
+    <Strategy xmlns="dd9685c7-1b51-4f0d-99d4-f85cded3c7cc" xsi:nil="true"/>
+    <Topic xmlns="dd9685c7-1b51-4f0d-99d4-f85cded3c7cc">Visual Identity</Topic>
+  </documentManagement>
+</p:properties>
 </file>
 
-<file path=customXml/itemProps3.xml><?xml version="1.0" encoding="utf-8"?>
+<file path=customXml/itemProps1.xml><?xml version="1.0" encoding="utf-8"?>
 <ds:datastoreItem xmlns:ds="http://schemas.openxmlformats.org/officeDocument/2006/customXml" ds:itemID="{57BEED4B-4D34-4C0B-9359-86FC97A7F248}">
   <ds:schemaRefs>
     <ds:schemaRef ds:uri="http://schemas.microsoft.com/office/2006/metadata/contentType"/>
@@ -52904,4 +54668,29 @@
     <ds:schemaRef ds:uri="http://schemas.microsoft.com/internal/obd"/>
   </ds:schemaRefs>
 </ds:datastoreItem>
+</file>
+
+<file path=customXml/itemProps2.xml><?xml version="1.0" encoding="utf-8"?>
+<ds:datastoreItem xmlns:ds="http://schemas.openxmlformats.org/officeDocument/2006/customXml" ds:itemID="{B2FCE9E9-5DF1-4A7E-AD0C-A4DE08FF1CB1}">
+  <ds:schemaRefs>
+    <ds:schemaRef ds:uri="http://schemas.microsoft.com/sharepoint/v3/contenttype/forms"/>
+  </ds:schemaRefs>
+</ds:datastoreItem>
+</file>
+
+<file path=customXml/itemProps3.xml><?xml version="1.0" encoding="utf-8"?>
+<ds:datastoreItem xmlns:ds="http://schemas.openxmlformats.org/officeDocument/2006/customXml" ds:itemID="{704FD01F-905A-4117-8DCC-FC33DBB06DD3}">
+  <ds:schemaRefs>
+    <ds:schemaRef ds:uri="http://purl.org/dc/elements/1.1/"/>
+    <ds:schemaRef ds:uri="http://www.w3.org/XML/1998/namespace"/>
+    <ds:schemaRef ds:uri="http://schemas.openxmlformats.org/package/2006/metadata/core-properties"/>
+    <ds:schemaRef ds:uri="http://purl.org/dc/terms/"/>
+    <ds:schemaRef ds:uri="http://purl.org/dc/dcmitype/"/>
+    <ds:schemaRef ds:uri="dd9685c7-1b51-4f0d-99d4-f85cded3c7cc"/>
+    <ds:schemaRef ds:uri="http://schemas.microsoft.com/office/infopath/2007/PartnerControls"/>
+    <ds:schemaRef ds:uri="http://schemas.microsoft.com/office/2006/documentManagement/types"/>
+    <ds:schemaRef ds:uri="http://schemas.microsoft.com/sharepoint/v3"/>
+    <ds:schemaRef ds:uri="http://schemas.microsoft.com/office/2006/metadata/properties"/>
+  </ds:schemaRefs>
+</ds:datastoreItem>
 </file>